--- a/100 드론 멘토링 과정 계획 V1.1.pptx
+++ b/100 드론 멘토링 과정 계획 V1.1.pptx
@@ -7968,7 +7968,7 @@
           <a:p>
             <a:fld id="{60456C2F-1F67-44A5-80B0-9C3A6CA33C82}" type="datetimeFigureOut">
               <a:rPr lang="en-US" smtClean="0"/>
-              <a:t>7/8/2019</a:t>
+              <a:t>7/15/2019</a:t>
             </a:fld>
             <a:endParaRPr lang="en-US"/>
           </a:p>
@@ -8367,7 +8367,7 @@
           <a:p>
             <a:fld id="{319B1230-C6B6-4309-80C9-CAB93D465649}" type="datetime1">
               <a:rPr lang="ko-KR" altLang="en-US" smtClean="0"/>
-              <a:t>2019-07-08</a:t>
+              <a:t>2019-07-15</a:t>
             </a:fld>
             <a:endParaRPr lang="en-US"/>
           </a:p>
@@ -8478,7 +8478,7 @@
           <a:p>
             <a:fld id="{924A5E96-5228-467F-80D0-2ECBCC17D15E}" type="datetime1">
               <a:rPr lang="ko-KR" altLang="en-US" smtClean="0"/>
-              <a:t>2019-07-08</a:t>
+              <a:t>2019-07-15</a:t>
             </a:fld>
             <a:endParaRPr lang="en-US"/>
           </a:p>
@@ -8664,7 +8664,7 @@
           <a:p>
             <a:fld id="{BE0357B1-0FDD-482C-A9DC-A4587093D4A9}" type="datetime1">
               <a:rPr lang="ko-KR" altLang="en-US" smtClean="0"/>
-              <a:t>2019-07-08</a:t>
+              <a:t>2019-07-15</a:t>
             </a:fld>
             <a:endParaRPr lang="en-US"/>
           </a:p>
@@ -8927,7 +8927,7 @@
           <a:p>
             <a:fld id="{0D94B2E5-B4C8-4FE9-8181-FA32C14418EE}" type="datetime1">
               <a:rPr lang="ko-KR" altLang="en-US" smtClean="0"/>
-              <a:t>2019-07-08</a:t>
+              <a:t>2019-07-15</a:t>
             </a:fld>
             <a:endParaRPr lang="en-US"/>
           </a:p>
@@ -9255,7 +9255,7 @@
           <a:p>
             <a:fld id="{8F5C8F60-763C-4F84-8F24-DD737445852F}" type="datetime1">
               <a:rPr lang="ko-KR" altLang="en-US" smtClean="0"/>
-              <a:t>2019-07-08</a:t>
+              <a:t>2019-07-15</a:t>
             </a:fld>
             <a:endParaRPr lang="en-US"/>
           </a:p>
@@ -9603,7 +9603,7 @@
           <a:p>
             <a:fld id="{4CC14437-CE76-4CAA-B57D-74630AAA1A81}" type="datetime1">
               <a:rPr lang="ko-KR" altLang="en-US" smtClean="0"/>
-              <a:t>2019-07-08</a:t>
+              <a:t>2019-07-15</a:t>
             </a:fld>
             <a:endParaRPr lang="en-US"/>
           </a:p>
@@ -9894,7 +9894,7 @@
           <a:p>
             <a:fld id="{834AA384-6E8E-4FED-B7E7-E5A1E24200AC}" type="datetime1">
               <a:rPr lang="ko-KR" altLang="en-US" smtClean="0"/>
-              <a:t>2019-07-08</a:t>
+              <a:t>2019-07-15</a:t>
             </a:fld>
             <a:endParaRPr lang="en-US"/>
           </a:p>
@@ -10222,7 +10222,7 @@
           <a:p>
             <a:fld id="{7917DF62-74E6-4230-B273-D0D3CCDE7E84}" type="datetime1">
               <a:rPr lang="ko-KR" altLang="en-US" smtClean="0"/>
-              <a:t>2019-07-08</a:t>
+              <a:t>2019-07-15</a:t>
             </a:fld>
             <a:endParaRPr lang="en-US"/>
           </a:p>
@@ -10648,7 +10648,7 @@
           <a:p>
             <a:fld id="{6B67E599-38F1-4810-B40C-4564238E6F55}" type="datetime1">
               <a:rPr lang="ko-KR" altLang="en-US" smtClean="0"/>
-              <a:t>2019-07-08</a:t>
+              <a:t>2019-07-15</a:t>
             </a:fld>
             <a:endParaRPr lang="en-US"/>
           </a:p>
@@ -10782,7 +10782,7 @@
           <a:p>
             <a:fld id="{FED29414-8F33-4E3F-A952-9544504CA7EE}" type="datetime1">
               <a:rPr lang="ko-KR" altLang="en-US" smtClean="0"/>
-              <a:t>2019-07-08</a:t>
+              <a:t>2019-07-15</a:t>
             </a:fld>
             <a:endParaRPr lang="en-US"/>
           </a:p>
@@ -11061,7 +11061,7 @@
           <a:p>
             <a:fld id="{2605756E-71AC-4422-8513-6CA67E389392}" type="datetime1">
               <a:rPr lang="ko-KR" altLang="en-US" smtClean="0"/>
-              <a:t>2019-07-08</a:t>
+              <a:t>2019-07-15</a:t>
             </a:fld>
             <a:endParaRPr lang="en-US"/>
           </a:p>
@@ -11869,7 +11869,7 @@
           <a:p>
             <a:fld id="{BE0357B1-0FDD-482C-A9DC-A4587093D4A9}" type="datetime1">
               <a:rPr lang="ko-KR" altLang="en-US" smtClean="0"/>
-              <a:t>2019-07-08</a:t>
+              <a:t>2019-07-15</a:t>
             </a:fld>
             <a:endParaRPr lang="en-US"/>
           </a:p>
@@ -12077,7 +12077,7 @@
           <a:p>
             <a:fld id="{BE0357B1-0FDD-482C-A9DC-A4587093D4A9}" type="datetime1">
               <a:rPr lang="ko-KR" altLang="en-US" smtClean="0"/>
-              <a:t>2019-07-08</a:t>
+              <a:t>2019-07-15</a:t>
             </a:fld>
             <a:endParaRPr lang="en-US"/>
           </a:p>
@@ -13156,7 +13156,7 @@
           <a:p>
             <a:fld id="{BE0357B1-0FDD-482C-A9DC-A4587093D4A9}" type="datetime1">
               <a:rPr lang="ko-KR" altLang="en-US" smtClean="0"/>
-              <a:t>2019-07-08</a:t>
+              <a:t>2019-07-15</a:t>
             </a:fld>
             <a:endParaRPr lang="en-US"/>
           </a:p>
@@ -17923,7 +17923,7 @@
           <a:p>
             <a:fld id="{66226C12-C878-4FC8-BC67-EBEF3FB7BC62}" type="datetime1">
               <a:rPr lang="ko-KR" altLang="en-US" smtClean="0"/>
-              <a:t>2019-07-08</a:t>
+              <a:t>2019-07-15</a:t>
             </a:fld>
             <a:endParaRPr lang="en-US"/>
           </a:p>
@@ -18090,7 +18090,7 @@
           <a:p>
             <a:fld id="{6B29AF39-0B45-4EC4-A5E8-3B3BED10E749}" type="datetime1">
               <a:rPr lang="ko-KR" altLang="en-US" smtClean="0"/>
-              <a:t>2019-07-08</a:t>
+              <a:t>2019-07-15</a:t>
             </a:fld>
             <a:endParaRPr lang="en-US"/>
           </a:p>

--- a/100 드론 멘토링 과정 계획 V1.1.pptx
+++ b/100 드론 멘토링 과정 계획 V1.1.pptx
@@ -7968,7 +7968,7 @@
           <a:p>
             <a:fld id="{60456C2F-1F67-44A5-80B0-9C3A6CA33C82}" type="datetimeFigureOut">
               <a:rPr lang="en-US" smtClean="0"/>
-              <a:t>7/15/2019</a:t>
+              <a:t>7/20/2019</a:t>
             </a:fld>
             <a:endParaRPr lang="en-US"/>
           </a:p>
@@ -8367,7 +8367,7 @@
           <a:p>
             <a:fld id="{319B1230-C6B6-4309-80C9-CAB93D465649}" type="datetime1">
               <a:rPr lang="ko-KR" altLang="en-US" smtClean="0"/>
-              <a:t>2019-07-15</a:t>
+              <a:t>2019-07-20</a:t>
             </a:fld>
             <a:endParaRPr lang="en-US"/>
           </a:p>
@@ -8478,7 +8478,7 @@
           <a:p>
             <a:fld id="{924A5E96-5228-467F-80D0-2ECBCC17D15E}" type="datetime1">
               <a:rPr lang="ko-KR" altLang="en-US" smtClean="0"/>
-              <a:t>2019-07-15</a:t>
+              <a:t>2019-07-20</a:t>
             </a:fld>
             <a:endParaRPr lang="en-US"/>
           </a:p>
@@ -8664,7 +8664,7 @@
           <a:p>
             <a:fld id="{BE0357B1-0FDD-482C-A9DC-A4587093D4A9}" type="datetime1">
               <a:rPr lang="ko-KR" altLang="en-US" smtClean="0"/>
-              <a:t>2019-07-15</a:t>
+              <a:t>2019-07-20</a:t>
             </a:fld>
             <a:endParaRPr lang="en-US"/>
           </a:p>
@@ -8927,7 +8927,7 @@
           <a:p>
             <a:fld id="{0D94B2E5-B4C8-4FE9-8181-FA32C14418EE}" type="datetime1">
               <a:rPr lang="ko-KR" altLang="en-US" smtClean="0"/>
-              <a:t>2019-07-15</a:t>
+              <a:t>2019-07-20</a:t>
             </a:fld>
             <a:endParaRPr lang="en-US"/>
           </a:p>
@@ -9255,7 +9255,7 @@
           <a:p>
             <a:fld id="{8F5C8F60-763C-4F84-8F24-DD737445852F}" type="datetime1">
               <a:rPr lang="ko-KR" altLang="en-US" smtClean="0"/>
-              <a:t>2019-07-15</a:t>
+              <a:t>2019-07-20</a:t>
             </a:fld>
             <a:endParaRPr lang="en-US"/>
           </a:p>
@@ -9603,7 +9603,7 @@
           <a:p>
             <a:fld id="{4CC14437-CE76-4CAA-B57D-74630AAA1A81}" type="datetime1">
               <a:rPr lang="ko-KR" altLang="en-US" smtClean="0"/>
-              <a:t>2019-07-15</a:t>
+              <a:t>2019-07-20</a:t>
             </a:fld>
             <a:endParaRPr lang="en-US"/>
           </a:p>
@@ -9894,7 +9894,7 @@
           <a:p>
             <a:fld id="{834AA384-6E8E-4FED-B7E7-E5A1E24200AC}" type="datetime1">
               <a:rPr lang="ko-KR" altLang="en-US" smtClean="0"/>
-              <a:t>2019-07-15</a:t>
+              <a:t>2019-07-20</a:t>
             </a:fld>
             <a:endParaRPr lang="en-US"/>
           </a:p>
@@ -10222,7 +10222,7 @@
           <a:p>
             <a:fld id="{7917DF62-74E6-4230-B273-D0D3CCDE7E84}" type="datetime1">
               <a:rPr lang="ko-KR" altLang="en-US" smtClean="0"/>
-              <a:t>2019-07-15</a:t>
+              <a:t>2019-07-20</a:t>
             </a:fld>
             <a:endParaRPr lang="en-US"/>
           </a:p>
@@ -10648,7 +10648,7 @@
           <a:p>
             <a:fld id="{6B67E599-38F1-4810-B40C-4564238E6F55}" type="datetime1">
               <a:rPr lang="ko-KR" altLang="en-US" smtClean="0"/>
-              <a:t>2019-07-15</a:t>
+              <a:t>2019-07-20</a:t>
             </a:fld>
             <a:endParaRPr lang="en-US"/>
           </a:p>
@@ -10782,7 +10782,7 @@
           <a:p>
             <a:fld id="{FED29414-8F33-4E3F-A952-9544504CA7EE}" type="datetime1">
               <a:rPr lang="ko-KR" altLang="en-US" smtClean="0"/>
-              <a:t>2019-07-15</a:t>
+              <a:t>2019-07-20</a:t>
             </a:fld>
             <a:endParaRPr lang="en-US"/>
           </a:p>
@@ -11061,7 +11061,7 @@
           <a:p>
             <a:fld id="{2605756E-71AC-4422-8513-6CA67E389392}" type="datetime1">
               <a:rPr lang="ko-KR" altLang="en-US" smtClean="0"/>
-              <a:t>2019-07-15</a:t>
+              <a:t>2019-07-20</a:t>
             </a:fld>
             <a:endParaRPr lang="en-US"/>
           </a:p>
@@ -11535,7 +11535,7 @@
         </p:spPr>
         <p:txBody>
           <a:bodyPr anchor="ctr">
-            <a:normAutofit fontScale="92500" lnSpcReduction="20000"/>
+            <a:normAutofit fontScale="92500" lnSpcReduction="10000"/>
           </a:bodyPr>
           <a:lstStyle/>
           <a:p>
@@ -11869,7 +11869,7 @@
           <a:p>
             <a:fld id="{BE0357B1-0FDD-482C-A9DC-A4587093D4A9}" type="datetime1">
               <a:rPr lang="ko-KR" altLang="en-US" smtClean="0"/>
-              <a:t>2019-07-15</a:t>
+              <a:t>2019-07-20</a:t>
             </a:fld>
             <a:endParaRPr lang="en-US"/>
           </a:p>
@@ -12077,7 +12077,7 @@
           <a:p>
             <a:fld id="{BE0357B1-0FDD-482C-A9DC-A4587093D4A9}" type="datetime1">
               <a:rPr lang="ko-KR" altLang="en-US" smtClean="0"/>
-              <a:t>2019-07-15</a:t>
+              <a:t>2019-07-20</a:t>
             </a:fld>
             <a:endParaRPr lang="en-US"/>
           </a:p>
@@ -12204,14 +12204,14 @@
             <p:ph idx="1"/>
             <p:extLst>
               <p:ext uri="{D42A27DB-BD31-4B8C-83A1-F6EECF244321}">
-                <p14:modId xmlns:p14="http://schemas.microsoft.com/office/powerpoint/2010/main" val="3538420205"/>
+                <p14:modId xmlns:p14="http://schemas.microsoft.com/office/powerpoint/2010/main" val="1435949598"/>
               </p:ext>
             </p:extLst>
           </p:nvPr>
         </p:nvGraphicFramePr>
         <p:xfrm>
           <a:off x="681038" y="1255713"/>
-          <a:ext cx="8543924" cy="2966720"/>
+          <a:ext cx="8543924" cy="3337560"/>
         </p:xfrm>
         <a:graphic>
           <a:graphicData uri="http://schemas.openxmlformats.org/drawingml/2006/table">
@@ -12366,7 +12366,7 @@
                     <a:p>
                       <a:pPr algn="ctr"/>
                       <a:r>
-                        <a:rPr lang="en-US"/>
+                        <a:rPr lang="en-US" dirty="0"/>
                         <a:t>1</a:t>
                       </a:r>
                     </a:p>
@@ -12380,7 +12380,7 @@
                     <a:p>
                       <a:pPr algn="ctr"/>
                       <a:r>
-                        <a:rPr lang="en-US"/>
+                        <a:rPr lang="en-US" dirty="0"/>
                         <a:t>A</a:t>
                       </a:r>
                     </a:p>
@@ -12394,10 +12394,22 @@
                     <a:p>
                       <a:pPr algn="ctr"/>
                       <a:r>
-                        <a:rPr lang="ko-KR" altLang="en-US"/>
-                        <a:t>김기홍</a:t>
+                        <a:rPr lang="ko-KR" altLang="en-US" dirty="0">
+                          <a:solidFill>
+                            <a:schemeClr val="accent2">
+                              <a:lumMod val="75000"/>
+                            </a:schemeClr>
+                          </a:solidFill>
+                        </a:rPr>
+                        <a:t>오지만</a:t>
                       </a:r>
-                      <a:endParaRPr lang="en-US"/>
+                      <a:endParaRPr lang="en-US" dirty="0">
+                        <a:solidFill>
+                          <a:schemeClr val="accent2">
+                            <a:lumMod val="75000"/>
+                          </a:schemeClr>
+                        </a:solidFill>
+                      </a:endParaRPr>
                     </a:p>
                   </a:txBody>
                   <a:tcPr/>
@@ -12409,17 +12421,24 @@
                     <a:p>
                       <a:pPr algn="ctr"/>
                       <a:r>
-                        <a:rPr lang="en-US" sz="1800" b="0" i="0" kern="1200">
+                        <a:rPr lang="en-US" dirty="0">
                           <a:solidFill>
-                            <a:schemeClr val="dk1"/>
+                            <a:schemeClr val="accent2">
+                              <a:lumMod val="75000"/>
+                            </a:schemeClr>
                           </a:solidFill>
-                          <a:effectLst/>
-                          <a:latin typeface="+mn-lt"/>
-                          <a:ea typeface="+mn-ea"/>
-                          <a:cs typeface="+mn-cs"/>
                         </a:rPr>
-                        <a:t>kihong0316@gmail.com</a:t>
+                        <a:t>komnscokr@gmail.com</a:t>
                       </a:r>
+                    </a:p>
+                  </a:txBody>
+                  <a:tcPr/>
+                </a:tc>
+                <a:tc>
+                  <a:txBody>
+                    <a:bodyPr/>
+                    <a:lstStyle/>
+                    <a:p>
                       <a:endParaRPr lang="en-US"/>
                     </a:p>
                   </a:txBody>
@@ -12430,18 +12449,6 @@
                     <a:bodyPr/>
                     <a:lstStyle/>
                     <a:p>
-                      <a:pPr algn="ctr"/>
-                      <a:endParaRPr lang="en-US"/>
-                    </a:p>
-                  </a:txBody>
-                  <a:tcPr/>
-                </a:tc>
-                <a:tc>
-                  <a:txBody>
-                    <a:bodyPr/>
-                    <a:lstStyle/>
-                    <a:p>
-                      <a:pPr algn="ctr"/>
                       <a:endParaRPr lang="en-US"/>
                     </a:p>
                   </a:txBody>
@@ -12475,7 +12482,7 @@
                     <a:p>
                       <a:pPr algn="ctr"/>
                       <a:r>
-                        <a:rPr lang="en-US"/>
+                        <a:rPr lang="en-US" dirty="0"/>
                         <a:t>A</a:t>
                       </a:r>
                     </a:p>
@@ -12489,10 +12496,22 @@
                     <a:p>
                       <a:pPr algn="ctr"/>
                       <a:r>
-                        <a:rPr lang="ko-KR" altLang="en-US"/>
-                        <a:t>오민희</a:t>
+                        <a:rPr lang="ko-KR" altLang="en-US" dirty="0">
+                          <a:solidFill>
+                            <a:schemeClr val="accent2">
+                              <a:lumMod val="75000"/>
+                            </a:schemeClr>
+                          </a:solidFill>
+                        </a:rPr>
+                        <a:t>이지은</a:t>
                       </a:r>
-                      <a:endParaRPr lang="en-US"/>
+                      <a:endParaRPr lang="en-US" dirty="0">
+                        <a:solidFill>
+                          <a:schemeClr val="accent2">
+                            <a:lumMod val="75000"/>
+                          </a:schemeClr>
+                        </a:solidFill>
+                      </a:endParaRPr>
                     </a:p>
                   </a:txBody>
                   <a:tcPr/>
@@ -12504,9 +12523,26 @@
                     <a:p>
                       <a:pPr algn="ctr"/>
                       <a:r>
-                        <a:rPr lang="en-US"/>
-                        <a:t>losmwh@gmail.com</a:t>
+                        <a:rPr lang="en-US" sz="1800" b="0" i="0" kern="1200" dirty="0">
+                          <a:solidFill>
+                            <a:schemeClr val="accent2">
+                              <a:lumMod val="75000"/>
+                            </a:schemeClr>
+                          </a:solidFill>
+                          <a:effectLst/>
+                          <a:latin typeface="+mn-lt"/>
+                          <a:ea typeface="+mn-ea"/>
+                          <a:cs typeface="+mn-cs"/>
+                        </a:rPr>
+                        <a:t>jebs2u@gmail.com</a:t>
                       </a:r>
+                      <a:endParaRPr lang="en-US" dirty="0">
+                        <a:solidFill>
+                          <a:schemeClr val="accent2">
+                            <a:lumMod val="75000"/>
+                          </a:schemeClr>
+                        </a:solidFill>
+                      </a:endParaRPr>
                     </a:p>
                   </a:txBody>
                   <a:tcPr/>
@@ -12516,7 +12552,6 @@
                     <a:bodyPr/>
                     <a:lstStyle/>
                     <a:p>
-                      <a:pPr algn="ctr"/>
                       <a:endParaRPr lang="en-US"/>
                     </a:p>
                   </a:txBody>
@@ -12527,8 +12562,7 @@
                     <a:bodyPr/>
                     <a:lstStyle/>
                     <a:p>
-                      <a:pPr algn="ctr"/>
-                      <a:endParaRPr lang="en-US"/>
+                      <a:endParaRPr lang="en-US" dirty="0"/>
                     </a:p>
                   </a:txBody>
                   <a:tcPr/>
@@ -12587,22 +12621,10 @@
                     <a:p>
                       <a:pPr algn="ctr"/>
                       <a:r>
-                        <a:rPr lang="ko-KR" altLang="en-US">
-                          <a:solidFill>
-                            <a:schemeClr val="accent2">
-                              <a:lumMod val="75000"/>
-                            </a:schemeClr>
-                          </a:solidFill>
-                        </a:rPr>
-                        <a:t>오지만</a:t>
+                        <a:rPr lang="ko-KR" altLang="en-US" dirty="0"/>
+                        <a:t>김자경</a:t>
                       </a:r>
-                      <a:endParaRPr lang="en-US">
-                        <a:solidFill>
-                          <a:schemeClr val="accent2">
-                            <a:lumMod val="75000"/>
-                          </a:schemeClr>
-                        </a:solidFill>
-                      </a:endParaRPr>
+                      <a:endParaRPr lang="en-US" dirty="0"/>
                     </a:p>
                   </a:txBody>
                   <a:tcPr/>
@@ -12614,15 +12636,18 @@
                     <a:p>
                       <a:pPr algn="ctr"/>
                       <a:r>
-                        <a:rPr lang="en-US">
+                        <a:rPr lang="en-US" sz="1800" b="0" i="0" kern="1200" dirty="0">
                           <a:solidFill>
-                            <a:schemeClr val="accent2">
-                              <a:lumMod val="75000"/>
-                            </a:schemeClr>
+                            <a:schemeClr val="dk1"/>
                           </a:solidFill>
+                          <a:effectLst/>
+                          <a:latin typeface="+mn-lt"/>
+                          <a:ea typeface="+mn-ea"/>
+                          <a:cs typeface="+mn-cs"/>
                         </a:rPr>
-                        <a:t>komnscokr@gmail.com</a:t>
+                        <a:t>marie90696@gmail.com</a:t>
                       </a:r>
+                      <a:endParaRPr lang="en-US" dirty="0"/>
                     </a:p>
                   </a:txBody>
                   <a:tcPr/>
@@ -12693,9 +12718,25 @@
                     <a:bodyPr/>
                     <a:lstStyle/>
                     <a:p>
-                      <a:pPr algn="ctr"/>
+                      <a:pPr marL="0" marR="0" lvl="0" indent="0" algn="ctr" defTabSz="914400" rtl="0" eaLnBrk="1" fontAlgn="auto" latinLnBrk="0" hangingPunct="1">
+                        <a:lnSpc>
+                          <a:spcPct val="100000"/>
+                        </a:lnSpc>
+                        <a:spcBef>
+                          <a:spcPts val="0"/>
+                        </a:spcBef>
+                        <a:spcAft>
+                          <a:spcPts val="0"/>
+                        </a:spcAft>
+                        <a:buClrTx/>
+                        <a:buSzTx/>
+                        <a:buFontTx/>
+                        <a:buNone/>
+                        <a:tabLst/>
+                        <a:defRPr/>
+                      </a:pPr>
                       <a:r>
-                        <a:rPr lang="en-US">
+                        <a:rPr lang="en-US" dirty="0">
                           <a:solidFill>
                             <a:schemeClr val="accent2">
                               <a:lumMod val="75000"/>
@@ -12715,22 +12756,10 @@
                     <a:p>
                       <a:pPr algn="ctr"/>
                       <a:r>
-                        <a:rPr lang="ko-KR" altLang="en-US">
-                          <a:solidFill>
-                            <a:schemeClr val="accent2">
-                              <a:lumMod val="75000"/>
-                            </a:schemeClr>
-                          </a:solidFill>
-                        </a:rPr>
-                        <a:t>김희준</a:t>
+                        <a:rPr lang="ko-KR" altLang="en-US"/>
+                        <a:t>박영세</a:t>
                       </a:r>
-                      <a:endParaRPr lang="en-US">
-                        <a:solidFill>
-                          <a:schemeClr val="accent2">
-                            <a:lumMod val="75000"/>
-                          </a:schemeClr>
-                        </a:solidFill>
-                      </a:endParaRPr>
+                      <a:endParaRPr lang="en-US"/>
                     </a:p>
                   </a:txBody>
                   <a:tcPr/>
@@ -12742,26 +12771,18 @@
                     <a:p>
                       <a:pPr algn="ctr"/>
                       <a:r>
-                        <a:rPr lang="en-US" sz="1800" b="0" i="0" kern="1200">
+                        <a:rPr lang="en-US" sz="1800" b="0" i="0" kern="1200" dirty="0">
                           <a:solidFill>
-                            <a:schemeClr val="accent2">
-                              <a:lumMod val="75000"/>
-                            </a:schemeClr>
+                            <a:schemeClr val="dk1"/>
                           </a:solidFill>
                           <a:effectLst/>
                           <a:latin typeface="+mn-lt"/>
                           <a:ea typeface="+mn-ea"/>
                           <a:cs typeface="+mn-cs"/>
                         </a:rPr>
-                        <a:t>hijoonlp@gmail.com</a:t>
+                        <a:t>ubfpak123@gmail.com</a:t>
                       </a:r>
-                      <a:endParaRPr lang="en-US">
-                        <a:solidFill>
-                          <a:schemeClr val="accent2">
-                            <a:lumMod val="75000"/>
-                          </a:schemeClr>
-                        </a:solidFill>
-                      </a:endParaRPr>
+                      <a:endParaRPr lang="en-US" dirty="0"/>
                     </a:p>
                   </a:txBody>
                   <a:tcPr/>
@@ -12771,14 +12792,7 @@
                     <a:bodyPr/>
                     <a:lstStyle/>
                     <a:p>
-                      <a:pPr algn="ctr"/>
-                      <a:endParaRPr lang="en-US">
-                        <a:solidFill>
-                          <a:schemeClr val="accent2">
-                            <a:lumMod val="75000"/>
-                          </a:schemeClr>
-                        </a:solidFill>
-                      </a:endParaRPr>
+                      <a:endParaRPr lang="en-US"/>
                     </a:p>
                   </a:txBody>
                   <a:tcPr/>
@@ -12788,14 +12802,7 @@
                     <a:bodyPr/>
                     <a:lstStyle/>
                     <a:p>
-                      <a:pPr algn="ctr"/>
-                      <a:endParaRPr lang="en-US">
-                        <a:solidFill>
-                          <a:schemeClr val="accent2">
-                            <a:lumMod val="75000"/>
-                          </a:schemeClr>
-                        </a:solidFill>
-                      </a:endParaRPr>
+                      <a:endParaRPr lang="en-US" dirty="0"/>
                     </a:p>
                   </a:txBody>
                   <a:tcPr/>
@@ -12813,15 +12820,93 @@
                     <a:lstStyle/>
                     <a:p>
                       <a:pPr algn="ctr"/>
+                      <a:endParaRPr lang="en-US" dirty="0"/>
+                    </a:p>
+                  </a:txBody>
+                  <a:tcPr/>
+                </a:tc>
+                <a:tc>
+                  <a:txBody>
+                    <a:bodyPr/>
+                    <a:lstStyle/>
+                    <a:p>
+                      <a:pPr algn="ctr"/>
+                      <a:endParaRPr lang="en-US"/>
+                    </a:p>
+                  </a:txBody>
+                  <a:tcPr/>
+                </a:tc>
+                <a:tc>
+                  <a:txBody>
+                    <a:bodyPr/>
+                    <a:lstStyle/>
+                    <a:p>
+                      <a:pPr algn="ctr"/>
+                      <a:endParaRPr lang="en-US"/>
+                    </a:p>
+                  </a:txBody>
+                  <a:tcPr/>
+                </a:tc>
+                <a:tc>
+                  <a:txBody>
+                    <a:bodyPr/>
+                    <a:lstStyle/>
+                    <a:p>
+                      <a:pPr algn="ctr"/>
+                      <a:endParaRPr lang="en-US"/>
+                    </a:p>
+                  </a:txBody>
+                  <a:tcPr/>
+                </a:tc>
+                <a:tc>
+                  <a:txBody>
+                    <a:bodyPr/>
+                    <a:lstStyle/>
+                    <a:p>
+                      <a:pPr algn="ctr"/>
+                      <a:endParaRPr lang="en-US"/>
+                    </a:p>
+                  </a:txBody>
+                  <a:tcPr/>
+                </a:tc>
+                <a:tc>
+                  <a:txBody>
+                    <a:bodyPr/>
+                    <a:lstStyle/>
+                    <a:p>
+                      <a:pPr algn="ctr"/>
+                      <a:endParaRPr lang="en-US" dirty="0"/>
+                    </a:p>
+                  </a:txBody>
+                  <a:tcPr/>
+                </a:tc>
+                <a:extLst>
+                  <a:ext uri="{0D108BD9-81ED-4DB2-BD59-A6C34878D82A}">
+                    <a16:rowId xmlns:a16="http://schemas.microsoft.com/office/drawing/2014/main" val="1225056281"/>
+                  </a:ext>
+                </a:extLst>
+              </a:tr>
+              <a:tr h="370840">
+                <a:tc>
+                  <a:txBody>
+                    <a:bodyPr/>
+                    <a:lstStyle/>
+                    <a:p>
+                      <a:pPr algn="ctr"/>
+                      <a:endParaRPr lang="en-US" dirty="0"/>
+                    </a:p>
+                  </a:txBody>
+                  <a:tcPr/>
+                </a:tc>
+                <a:tc>
+                  <a:txBody>
+                    <a:bodyPr/>
+                    <a:lstStyle/>
+                    <a:p>
+                      <a:pPr algn="ctr"/>
                       <a:r>
-                        <a:rPr lang="en-US">
-                          <a:solidFill>
-                            <a:schemeClr val="accent2">
-                              <a:lumMod val="75000"/>
-                            </a:schemeClr>
-                          </a:solidFill>
-                        </a:rPr>
-                        <a:t>5</a:t>
+                        <a:rPr lang="en-US" dirty="0"/>
+                        <a:t>Z</a:t>
                       </a:r>
                     </a:p>
                   </a:txBody>
@@ -12834,157 +12919,10 @@
                     <a:p>
                       <a:pPr algn="ctr"/>
                       <a:r>
-                        <a:rPr lang="en-US">
-                          <a:solidFill>
-                            <a:schemeClr val="accent2">
-                              <a:lumMod val="75000"/>
-                            </a:schemeClr>
-                          </a:solidFill>
-                        </a:rPr>
-                        <a:t>B</a:t>
+                        <a:rPr lang="ko-KR" altLang="en-US" dirty="0"/>
+                        <a:t>김기홍</a:t>
                       </a:r>
-                    </a:p>
-                  </a:txBody>
-                  <a:tcPr/>
-                </a:tc>
-                <a:tc>
-                  <a:txBody>
-                    <a:bodyPr/>
-                    <a:lstStyle/>
-                    <a:p>
-                      <a:pPr algn="ctr"/>
-                      <a:r>
-                        <a:rPr lang="ko-KR" altLang="en-US">
-                          <a:solidFill>
-                            <a:schemeClr val="accent2">
-                              <a:lumMod val="75000"/>
-                            </a:schemeClr>
-                          </a:solidFill>
-                        </a:rPr>
-                        <a:t>이지은</a:t>
-                      </a:r>
-                      <a:endParaRPr lang="en-US">
-                        <a:solidFill>
-                          <a:schemeClr val="accent2">
-                            <a:lumMod val="75000"/>
-                          </a:schemeClr>
-                        </a:solidFill>
-                      </a:endParaRPr>
-                    </a:p>
-                  </a:txBody>
-                  <a:tcPr/>
-                </a:tc>
-                <a:tc>
-                  <a:txBody>
-                    <a:bodyPr/>
-                    <a:lstStyle/>
-                    <a:p>
-                      <a:pPr algn="ctr"/>
-                      <a:r>
-                        <a:rPr lang="en-US" sz="1800" b="0" i="0" kern="1200">
-                          <a:solidFill>
-                            <a:schemeClr val="accent2">
-                              <a:lumMod val="75000"/>
-                            </a:schemeClr>
-                          </a:solidFill>
-                          <a:effectLst/>
-                          <a:latin typeface="+mn-lt"/>
-                          <a:ea typeface="+mn-ea"/>
-                          <a:cs typeface="+mn-cs"/>
-                        </a:rPr>
-                        <a:t>jebs2u@gmail.com</a:t>
-                      </a:r>
-                      <a:endParaRPr lang="en-US">
-                        <a:solidFill>
-                          <a:schemeClr val="accent2">
-                            <a:lumMod val="75000"/>
-                          </a:schemeClr>
-                        </a:solidFill>
-                      </a:endParaRPr>
-                    </a:p>
-                  </a:txBody>
-                  <a:tcPr/>
-                </a:tc>
-                <a:tc>
-                  <a:txBody>
-                    <a:bodyPr/>
-                    <a:lstStyle/>
-                    <a:p>
-                      <a:pPr algn="ctr"/>
-                      <a:endParaRPr lang="en-US">
-                        <a:solidFill>
-                          <a:schemeClr val="accent2">
-                            <a:lumMod val="75000"/>
-                          </a:schemeClr>
-                        </a:solidFill>
-                      </a:endParaRPr>
-                    </a:p>
-                  </a:txBody>
-                  <a:tcPr/>
-                </a:tc>
-                <a:tc>
-                  <a:txBody>
-                    <a:bodyPr/>
-                    <a:lstStyle/>
-                    <a:p>
-                      <a:pPr algn="ctr"/>
-                      <a:endParaRPr lang="en-US">
-                        <a:solidFill>
-                          <a:schemeClr val="accent2">
-                            <a:lumMod val="75000"/>
-                          </a:schemeClr>
-                        </a:solidFill>
-                      </a:endParaRPr>
-                    </a:p>
-                  </a:txBody>
-                  <a:tcPr/>
-                </a:tc>
-                <a:extLst>
-                  <a:ext uri="{0D108BD9-81ED-4DB2-BD59-A6C34878D82A}">
-                    <a16:rowId xmlns:a16="http://schemas.microsoft.com/office/drawing/2014/main" val="337826805"/>
-                  </a:ext>
-                </a:extLst>
-              </a:tr>
-              <a:tr h="370840">
-                <a:tc>
-                  <a:txBody>
-                    <a:bodyPr/>
-                    <a:lstStyle/>
-                    <a:p>
-                      <a:pPr algn="ctr"/>
-                      <a:r>
-                        <a:rPr lang="en-US"/>
-                        <a:t>6</a:t>
-                      </a:r>
-                    </a:p>
-                  </a:txBody>
-                  <a:tcPr/>
-                </a:tc>
-                <a:tc>
-                  <a:txBody>
-                    <a:bodyPr/>
-                    <a:lstStyle/>
-                    <a:p>
-                      <a:pPr algn="ctr"/>
-                      <a:r>
-                        <a:rPr lang="en-US"/>
-                        <a:t>C</a:t>
-                      </a:r>
-                    </a:p>
-                  </a:txBody>
-                  <a:tcPr/>
-                </a:tc>
-                <a:tc>
-                  <a:txBody>
-                    <a:bodyPr/>
-                    <a:lstStyle/>
-                    <a:p>
-                      <a:pPr algn="ctr"/>
-                      <a:r>
-                        <a:rPr lang="ko-KR" altLang="en-US"/>
-                        <a:t>김자경</a:t>
-                      </a:r>
-                      <a:endParaRPr lang="en-US"/>
+                      <a:endParaRPr lang="en-US" dirty="0"/>
                     </a:p>
                   </a:txBody>
                   <a:tcPr/>
@@ -13005,7 +12943,7 @@
                           <a:ea typeface="+mn-ea"/>
                           <a:cs typeface="+mn-cs"/>
                         </a:rPr>
-                        <a:t>marie90696@gmail.com</a:t>
+                        <a:t>kihong0316@gmail.com</a:t>
                       </a:r>
                       <a:endParaRPr lang="en-US"/>
                     </a:p>
@@ -13036,7 +12974,7 @@
                 </a:tc>
                 <a:extLst>
                   <a:ext uri="{0D108BD9-81ED-4DB2-BD59-A6C34878D82A}">
-                    <a16:rowId xmlns:a16="http://schemas.microsoft.com/office/drawing/2014/main" val="430785648"/>
+                    <a16:rowId xmlns:a16="http://schemas.microsoft.com/office/drawing/2014/main" val="1201017267"/>
                   </a:ext>
                 </a:extLst>
               </a:tr>
@@ -13047,9 +12985,20 @@
                     <a:lstStyle/>
                     <a:p>
                       <a:pPr algn="ctr"/>
+                      <a:endParaRPr lang="en-US" dirty="0"/>
+                    </a:p>
+                  </a:txBody>
+                  <a:tcPr/>
+                </a:tc>
+                <a:tc>
+                  <a:txBody>
+                    <a:bodyPr/>
+                    <a:lstStyle/>
+                    <a:p>
+                      <a:pPr algn="ctr"/>
                       <a:r>
-                        <a:rPr lang="en-US"/>
-                        <a:t>7</a:t>
+                        <a:rPr lang="en-US" dirty="0"/>
+                        <a:t>Z</a:t>
                       </a:r>
                     </a:p>
                   </a:txBody>
@@ -13062,8 +13011,83 @@
                     <a:p>
                       <a:pPr algn="ctr"/>
                       <a:r>
-                        <a:rPr lang="en-US"/>
-                        <a:t>C</a:t>
+                        <a:rPr lang="ko-KR" altLang="en-US" dirty="0"/>
+                        <a:t>오민희</a:t>
+                      </a:r>
+                      <a:endParaRPr lang="en-US" dirty="0"/>
+                    </a:p>
+                  </a:txBody>
+                  <a:tcPr/>
+                </a:tc>
+                <a:tc>
+                  <a:txBody>
+                    <a:bodyPr/>
+                    <a:lstStyle/>
+                    <a:p>
+                      <a:pPr algn="ctr"/>
+                      <a:r>
+                        <a:rPr lang="en-US" dirty="0"/>
+                        <a:t>losmwh@gmail.com</a:t>
+                      </a:r>
+                    </a:p>
+                  </a:txBody>
+                  <a:tcPr/>
+                </a:tc>
+                <a:tc>
+                  <a:txBody>
+                    <a:bodyPr/>
+                    <a:lstStyle/>
+                    <a:p>
+                      <a:pPr algn="ctr"/>
+                      <a:endParaRPr lang="en-US" dirty="0"/>
+                    </a:p>
+                  </a:txBody>
+                  <a:tcPr/>
+                </a:tc>
+                <a:tc>
+                  <a:txBody>
+                    <a:bodyPr/>
+                    <a:lstStyle/>
+                    <a:p>
+                      <a:pPr algn="ctr"/>
+                      <a:endParaRPr lang="en-US" dirty="0"/>
+                    </a:p>
+                  </a:txBody>
+                  <a:tcPr/>
+                </a:tc>
+                <a:extLst>
+                  <a:ext uri="{0D108BD9-81ED-4DB2-BD59-A6C34878D82A}">
+                    <a16:rowId xmlns:a16="http://schemas.microsoft.com/office/drawing/2014/main" val="2819990310"/>
+                  </a:ext>
+                </a:extLst>
+              </a:tr>
+              <a:tr h="370840">
+                <a:tc>
+                  <a:txBody>
+                    <a:bodyPr/>
+                    <a:lstStyle/>
+                    <a:p>
+                      <a:pPr algn="ctr"/>
+                      <a:endParaRPr lang="en-US" dirty="0"/>
+                    </a:p>
+                  </a:txBody>
+                  <a:tcPr/>
+                </a:tc>
+                <a:tc>
+                  <a:txBody>
+                    <a:bodyPr/>
+                    <a:lstStyle/>
+                    <a:p>
+                      <a:pPr algn="ctr"/>
+                      <a:r>
+                        <a:rPr lang="en-US" b="1" dirty="0">
+                          <a:solidFill>
+                            <a:schemeClr val="accent2">
+                              <a:lumMod val="75000"/>
+                            </a:schemeClr>
+                          </a:solidFill>
+                        </a:rPr>
+                        <a:t>Z</a:t>
                       </a:r>
                     </a:p>
                   </a:txBody>
@@ -13076,10 +13100,22 @@
                     <a:p>
                       <a:pPr algn="ctr"/>
                       <a:r>
-                        <a:rPr lang="ko-KR" altLang="en-US"/>
-                        <a:t>박영세</a:t>
+                        <a:rPr lang="ko-KR" altLang="en-US" b="1" dirty="0">
+                          <a:solidFill>
+                            <a:schemeClr val="accent2">
+                              <a:lumMod val="75000"/>
+                            </a:schemeClr>
+                          </a:solidFill>
+                        </a:rPr>
+                        <a:t>김희준</a:t>
                       </a:r>
-                      <a:endParaRPr lang="en-US"/>
+                      <a:endParaRPr lang="en-US" b="1" dirty="0">
+                        <a:solidFill>
+                          <a:schemeClr val="accent2">
+                            <a:lumMod val="75000"/>
+                          </a:schemeClr>
+                        </a:solidFill>
+                      </a:endParaRPr>
                     </a:p>
                   </a:txBody>
                   <a:tcPr/>
@@ -13091,18 +13127,26 @@
                     <a:p>
                       <a:pPr algn="ctr"/>
                       <a:r>
-                        <a:rPr lang="en-US" sz="1800" b="0" i="0" kern="1200">
+                        <a:rPr lang="en-US" sz="1800" b="1" i="0" kern="1200" dirty="0">
                           <a:solidFill>
-                            <a:schemeClr val="dk1"/>
+                            <a:schemeClr val="accent2">
+                              <a:lumMod val="75000"/>
+                            </a:schemeClr>
                           </a:solidFill>
                           <a:effectLst/>
                           <a:latin typeface="+mn-lt"/>
                           <a:ea typeface="+mn-ea"/>
                           <a:cs typeface="+mn-cs"/>
                         </a:rPr>
-                        <a:t>ubfpak123@gmail.com</a:t>
+                        <a:t>hijoonlp@gmail.com</a:t>
                       </a:r>
-                      <a:endParaRPr lang="en-US"/>
+                      <a:endParaRPr lang="en-US" b="1" dirty="0">
+                        <a:solidFill>
+                          <a:schemeClr val="accent2">
+                            <a:lumMod val="75000"/>
+                          </a:schemeClr>
+                        </a:solidFill>
+                      </a:endParaRPr>
                     </a:p>
                   </a:txBody>
                   <a:tcPr/>
@@ -13113,7 +13157,13 @@
                     <a:lstStyle/>
                     <a:p>
                       <a:pPr algn="ctr"/>
-                      <a:endParaRPr lang="en-US"/>
+                      <a:endParaRPr lang="en-US" b="1" dirty="0">
+                        <a:solidFill>
+                          <a:schemeClr val="accent2">
+                            <a:lumMod val="75000"/>
+                          </a:schemeClr>
+                        </a:solidFill>
+                      </a:endParaRPr>
                     </a:p>
                   </a:txBody>
                   <a:tcPr/>
@@ -13124,14 +13174,20 @@
                     <a:lstStyle/>
                     <a:p>
                       <a:pPr algn="ctr"/>
-                      <a:endParaRPr lang="en-US"/>
+                      <a:endParaRPr lang="en-US" b="1" dirty="0">
+                        <a:solidFill>
+                          <a:schemeClr val="accent2">
+                            <a:lumMod val="75000"/>
+                          </a:schemeClr>
+                        </a:solidFill>
+                      </a:endParaRPr>
                     </a:p>
                   </a:txBody>
                   <a:tcPr/>
                 </a:tc>
                 <a:extLst>
                   <a:ext uri="{0D108BD9-81ED-4DB2-BD59-A6C34878D82A}">
-                    <a16:rowId xmlns:a16="http://schemas.microsoft.com/office/drawing/2014/main" val="479172299"/>
+                    <a16:rowId xmlns:a16="http://schemas.microsoft.com/office/drawing/2014/main" val="3087875434"/>
                   </a:ext>
                 </a:extLst>
               </a:tr>
@@ -13156,7 +13212,7 @@
           <a:p>
             <a:fld id="{BE0357B1-0FDD-482C-A9DC-A4587093D4A9}" type="datetime1">
               <a:rPr lang="ko-KR" altLang="en-US" smtClean="0"/>
-              <a:t>2019-07-15</a:t>
+              <a:t>2019-07-20</a:t>
             </a:fld>
             <a:endParaRPr lang="en-US"/>
           </a:p>
@@ -13305,7 +13361,7 @@
             <p:ph idx="1"/>
             <p:extLst>
               <p:ext uri="{D42A27DB-BD31-4B8C-83A1-F6EECF244321}">
-                <p14:modId xmlns:p14="http://schemas.microsoft.com/office/powerpoint/2010/main" val="2235533069"/>
+                <p14:modId xmlns:p14="http://schemas.microsoft.com/office/powerpoint/2010/main" val="1605641081"/>
               </p:ext>
             </p:extLst>
           </p:nvPr>
@@ -13769,12 +13825,22 @@
                         </a:spcAft>
                       </a:pPr>
                       <a:r>
-                        <a:rPr lang="ko-KR" sz="1200">
+                        <a:rPr lang="ko-KR" sz="1200" dirty="0">
+                          <a:solidFill>
+                            <a:schemeClr val="accent2">
+                              <a:lumMod val="75000"/>
+                            </a:schemeClr>
+                          </a:solidFill>
                           <a:effectLst/>
                         </a:rPr>
                         <a:t>드론 개요</a:t>
                       </a:r>
-                      <a:endParaRPr lang="en-US" sz="1200">
+                      <a:endParaRPr lang="en-US" sz="1200" dirty="0">
+                        <a:solidFill>
+                          <a:schemeClr val="accent2">
+                            <a:lumMod val="75000"/>
+                          </a:schemeClr>
+                        </a:solidFill>
                         <a:effectLst/>
                         <a:latin typeface="+mn-ea"/>
                         <a:ea typeface="+mn-ea"/>
@@ -13791,10 +13857,22 @@
                     <a:p>
                       <a:pPr algn="ctr"/>
                       <a:r>
-                        <a:rPr lang="ko-KR" altLang="en-US" sz="1200"/>
+                        <a:rPr lang="ko-KR" altLang="en-US" sz="1200">
+                          <a:solidFill>
+                            <a:schemeClr val="accent2">
+                              <a:lumMod val="75000"/>
+                            </a:schemeClr>
+                          </a:solidFill>
+                        </a:rPr>
                         <a:t>드론 개요</a:t>
                       </a:r>
-                      <a:endParaRPr lang="en-US" sz="1200"/>
+                      <a:endParaRPr lang="en-US" sz="1200">
+                        <a:solidFill>
+                          <a:schemeClr val="accent2">
+                            <a:lumMod val="75000"/>
+                          </a:schemeClr>
+                        </a:solidFill>
+                      </a:endParaRPr>
                     </a:p>
                   </a:txBody>
                   <a:tcPr marL="64770" marR="64770" marT="17780" marB="17780" anchor="ctr"/>
@@ -13806,12 +13884,14 @@
                     <a:p>
                       <a:pPr algn="ctr"/>
                       <a:r>
-                        <a:rPr lang="en-US" sz="1200" smtClean="0"/>
-                        <a:t>1 </a:t>
-                      </a:r>
-                      <a:r>
-                        <a:rPr lang="en-US" sz="1200"/>
-                        <a:t>H</a:t>
+                        <a:rPr lang="en-US" sz="1200">
+                          <a:solidFill>
+                            <a:schemeClr val="accent2">
+                              <a:lumMod val="75000"/>
+                            </a:schemeClr>
+                          </a:solidFill>
+                        </a:rPr>
+                        <a:t>1 H</a:t>
                       </a:r>
                     </a:p>
                   </a:txBody>
@@ -13824,10 +13904,22 @@
                     <a:p>
                       <a:pPr algn="ctr"/>
                       <a:r>
-                        <a:rPr lang="ko-KR" altLang="en-US" sz="1200"/>
+                        <a:rPr lang="ko-KR" altLang="en-US" sz="1200">
+                          <a:solidFill>
+                            <a:schemeClr val="accent2">
+                              <a:lumMod val="75000"/>
+                            </a:schemeClr>
+                          </a:solidFill>
+                        </a:rPr>
                         <a:t>성병문</a:t>
                       </a:r>
-                      <a:endParaRPr lang="en-US" sz="1200"/>
+                      <a:endParaRPr lang="en-US" sz="1200">
+                        <a:solidFill>
+                          <a:schemeClr val="accent2">
+                            <a:lumMod val="75000"/>
+                          </a:schemeClr>
+                        </a:solidFill>
+                      </a:endParaRPr>
                     </a:p>
                   </a:txBody>
                   <a:tcPr marL="64770" marR="64770" marT="17780" marB="17780" anchor="ctr"/>
@@ -13840,6 +13932,11 @@
                       <a:pPr algn="ctr"/>
                       <a:r>
                         <a:rPr lang="ko-KR" altLang="en-US" sz="1200">
+                          <a:solidFill>
+                            <a:schemeClr val="accent2">
+                              <a:lumMod val="75000"/>
+                            </a:schemeClr>
+                          </a:solidFill>
                           <a:effectLst/>
                         </a:rPr>
                         <a:t>드론 시뮬레이터 실습</a:t>
@@ -13864,7 +13961,13 @@
                     <a:p>
                       <a:pPr algn="ctr"/>
                       <a:r>
-                        <a:rPr lang="en-US" sz="1200" smtClean="0"/>
+                        <a:rPr lang="en-US" sz="1200">
+                          <a:solidFill>
+                            <a:schemeClr val="accent2">
+                              <a:lumMod val="75000"/>
+                            </a:schemeClr>
+                          </a:solidFill>
+                        </a:rPr>
                         <a:t>2 H</a:t>
                       </a:r>
                       <a:endParaRPr lang="en-US" sz="1200" b="1">
@@ -13887,10 +13990,16 @@
                     <a:p>
                       <a:pPr algn="ctr"/>
                       <a:r>
-                        <a:rPr lang="ko-KR" altLang="en-US" sz="1200"/>
+                        <a:rPr lang="ko-KR" altLang="en-US" sz="1200" dirty="0">
+                          <a:solidFill>
+                            <a:schemeClr val="accent2">
+                              <a:lumMod val="75000"/>
+                            </a:schemeClr>
+                          </a:solidFill>
+                        </a:rPr>
                         <a:t>김자경</a:t>
                       </a:r>
-                      <a:endParaRPr lang="en-US" sz="1200" b="1">
+                      <a:endParaRPr lang="en-US" sz="1200" b="1" dirty="0">
                         <a:solidFill>
                           <a:schemeClr val="accent2">
                             <a:lumMod val="75000"/>
@@ -13980,11 +14089,21 @@
                       </a:pPr>
                       <a:r>
                         <a:rPr lang="ko-KR" altLang="en-US" sz="1200">
+                          <a:solidFill>
+                            <a:schemeClr val="accent2">
+                              <a:lumMod val="75000"/>
+                            </a:schemeClr>
+                          </a:solidFill>
                           <a:effectLst/>
                         </a:rPr>
                         <a:t>무인 비행기 종류 및 이해</a:t>
                       </a:r>
                       <a:endParaRPr lang="en-US" sz="1200">
+                        <a:solidFill>
+                          <a:schemeClr val="accent2">
+                            <a:lumMod val="75000"/>
+                          </a:schemeClr>
+                        </a:solidFill>
                         <a:effectLst/>
                         <a:latin typeface="+mn-ea"/>
                         <a:ea typeface="+mn-ea"/>
@@ -14011,28 +14130,27 @@
                         </a:spcAft>
                       </a:pPr>
                       <a:r>
-                        <a:rPr kumimoji="0" lang="en-US" sz="1200" u="none" strike="noStrike" kern="1200" cap="none" spc="0" normalizeH="0" baseline="0" noProof="0" smtClean="0">
+                        <a:rPr kumimoji="0" lang="en-US" sz="1200" u="none" strike="noStrike" kern="1200" cap="none" spc="0" normalizeH="0" baseline="0" noProof="0">
                           <a:ln>
                             <a:noFill/>
                           </a:ln>
+                          <a:solidFill>
+                            <a:schemeClr val="accent2">
+                              <a:lumMod val="75000"/>
+                            </a:schemeClr>
+                          </a:solidFill>
                           <a:effectLst/>
                           <a:uLnTx/>
                           <a:uFillTx/>
                         </a:rPr>
-                        <a:t>1 </a:t>
-                      </a:r>
-                      <a:r>
-                        <a:rPr kumimoji="0" lang="en-US" sz="1200" u="none" strike="noStrike" kern="1200" cap="none" spc="0" normalizeH="0" baseline="0" noProof="0">
-                          <a:ln>
-                            <a:noFill/>
-                          </a:ln>
-                          <a:effectLst/>
-                          <a:uLnTx/>
-                          <a:uFillTx/>
-                        </a:rPr>
-                        <a:t>H</a:t>
+                        <a:t>1 H</a:t>
                       </a:r>
                       <a:endParaRPr lang="en-US" sz="1200">
+                        <a:solidFill>
+                          <a:schemeClr val="accent2">
+                            <a:lumMod val="75000"/>
+                          </a:schemeClr>
+                        </a:solidFill>
                         <a:effectLst/>
                         <a:latin typeface="+mn-ea"/>
                         <a:ea typeface="+mn-ea"/>
@@ -14060,11 +14178,21 @@
                       </a:pPr>
                       <a:r>
                         <a:rPr lang="ko-KR" altLang="en-US" sz="1200">
+                          <a:solidFill>
+                            <a:schemeClr val="accent2">
+                              <a:lumMod val="75000"/>
+                            </a:schemeClr>
+                          </a:solidFill>
                           <a:effectLst/>
                         </a:rPr>
                         <a:t>오민희</a:t>
                       </a:r>
                       <a:endParaRPr lang="en-US" sz="1200">
+                        <a:solidFill>
+                          <a:schemeClr val="accent2">
+                            <a:lumMod val="75000"/>
+                          </a:schemeClr>
+                        </a:solidFill>
                         <a:effectLst/>
                         <a:latin typeface="+mn-ea"/>
                         <a:ea typeface="+mn-ea"/>
@@ -14193,24 +14321,44 @@
                         </a:spcAft>
                       </a:pPr>
                       <a:r>
-                        <a:rPr lang="ko-KR" sz="1200">
+                        <a:rPr lang="ko-KR" sz="1200" dirty="0">
+                          <a:solidFill>
+                            <a:schemeClr val="accent2">
+                              <a:lumMod val="75000"/>
+                            </a:schemeClr>
+                          </a:solidFill>
                           <a:effectLst/>
                         </a:rPr>
                         <a:t>드론</a:t>
                       </a:r>
                       <a:r>
-                        <a:rPr lang="en-US" altLang="ko-KR" sz="1200">
+                        <a:rPr lang="en-US" altLang="ko-KR" sz="1200" dirty="0">
+                          <a:solidFill>
+                            <a:schemeClr val="accent2">
+                              <a:lumMod val="75000"/>
+                            </a:schemeClr>
+                          </a:solidFill>
                           <a:effectLst/>
                         </a:rPr>
                         <a:t> </a:t>
                       </a:r>
                       <a:r>
-                        <a:rPr lang="ko-KR" sz="1200">
+                        <a:rPr lang="ko-KR" sz="1200" dirty="0">
+                          <a:solidFill>
+                            <a:schemeClr val="accent2">
+                              <a:lumMod val="75000"/>
+                            </a:schemeClr>
+                          </a:solidFill>
                           <a:effectLst/>
                         </a:rPr>
                         <a:t>구조</a:t>
                       </a:r>
-                      <a:endParaRPr lang="en-US" sz="1200">
+                      <a:endParaRPr lang="en-US" sz="1200" dirty="0">
+                        <a:solidFill>
+                          <a:schemeClr val="accent2">
+                            <a:lumMod val="75000"/>
+                          </a:schemeClr>
+                        </a:solidFill>
                         <a:effectLst/>
                         <a:latin typeface="+mn-ea"/>
                         <a:ea typeface="+mn-ea"/>
@@ -14244,11 +14392,21 @@
                       </a:pPr>
                       <a:r>
                         <a:rPr lang="ko-KR" altLang="en-US" sz="1200" baseline="0">
+                          <a:solidFill>
+                            <a:schemeClr val="accent2">
+                              <a:lumMod val="75000"/>
+                            </a:schemeClr>
+                          </a:solidFill>
                           <a:effectLst/>
                         </a:rPr>
                         <a:t>드론 모터의 종류 및 이해</a:t>
                       </a:r>
                       <a:endParaRPr lang="en-US" sz="1200">
+                        <a:solidFill>
+                          <a:schemeClr val="accent2">
+                            <a:lumMod val="75000"/>
+                          </a:schemeClr>
+                        </a:solidFill>
                         <a:effectLst/>
                         <a:latin typeface="+mn-ea"/>
                         <a:ea typeface="+mn-ea"/>
@@ -14281,12 +14439,22 @@
                         <a:defRPr/>
                       </a:pPr>
                       <a:r>
-                        <a:rPr lang="en-US" sz="1200" smtClean="0">
+                        <a:rPr lang="en-US" sz="1200">
+                          <a:solidFill>
+                            <a:schemeClr val="accent2">
+                              <a:lumMod val="75000"/>
+                            </a:schemeClr>
+                          </a:solidFill>
                           <a:effectLst/>
                         </a:rPr>
                         <a:t>1 H</a:t>
                       </a:r>
                       <a:endParaRPr lang="en-US" sz="1200">
+                        <a:solidFill>
+                          <a:schemeClr val="accent2">
+                            <a:lumMod val="75000"/>
+                          </a:schemeClr>
+                        </a:solidFill>
                         <a:effectLst/>
                         <a:latin typeface="+mn-ea"/>
                         <a:ea typeface="+mn-ea"/>
@@ -14320,11 +14488,21 @@
                       </a:pPr>
                       <a:r>
                         <a:rPr lang="ko-KR" altLang="en-US" sz="1200">
+                          <a:solidFill>
+                            <a:schemeClr val="accent2">
+                              <a:lumMod val="75000"/>
+                            </a:schemeClr>
+                          </a:solidFill>
                           <a:effectLst/>
                         </a:rPr>
                         <a:t>오지만</a:t>
                       </a:r>
                       <a:endParaRPr lang="en-US" sz="1200">
+                        <a:solidFill>
+                          <a:schemeClr val="accent2">
+                            <a:lumMod val="75000"/>
+                          </a:schemeClr>
+                        </a:solidFill>
                         <a:effectLst/>
                         <a:latin typeface="+mn-ea"/>
                         <a:ea typeface="+mn-ea"/>
@@ -14358,6 +14536,11 @@
                       </a:pPr>
                       <a:r>
                         <a:rPr lang="ko-KR" altLang="en-US" sz="1200">
+                          <a:solidFill>
+                            <a:schemeClr val="accent2">
+                              <a:lumMod val="75000"/>
+                            </a:schemeClr>
+                          </a:solidFill>
                           <a:effectLst/>
                         </a:rPr>
                         <a:t>스티로폼 비행기 제작</a:t>
@@ -14400,7 +14583,13 @@
                         <a:defRPr/>
                       </a:pPr>
                       <a:r>
-                        <a:rPr lang="en-US" sz="1200" smtClean="0"/>
+                        <a:rPr lang="en-US" sz="1200">
+                          <a:solidFill>
+                            <a:schemeClr val="accent2">
+                              <a:lumMod val="75000"/>
+                            </a:schemeClr>
+                          </a:solidFill>
+                        </a:rPr>
                         <a:t>2 H</a:t>
                       </a:r>
                       <a:endParaRPr lang="en-US" sz="1200" b="1">
@@ -14440,6 +14629,11 @@
                       </a:pPr>
                       <a:r>
                         <a:rPr lang="ko-KR" altLang="en-US" sz="1200">
+                          <a:solidFill>
+                            <a:schemeClr val="accent2">
+                              <a:lumMod val="75000"/>
+                            </a:schemeClr>
+                          </a:solidFill>
                           <a:effectLst/>
                         </a:rPr>
                         <a:t>이지은</a:t>
@@ -14540,24 +14734,44 @@
                         <a:defRPr/>
                       </a:pPr>
                       <a:r>
-                        <a:rPr lang="en-US" sz="1200">
+                        <a:rPr lang="en-US" sz="1200" dirty="0">
+                          <a:solidFill>
+                            <a:schemeClr val="accent2">
+                              <a:lumMod val="75000"/>
+                            </a:schemeClr>
+                          </a:solidFill>
                           <a:effectLst/>
                         </a:rPr>
                         <a:t>3D</a:t>
                       </a:r>
                       <a:r>
-                        <a:rPr lang="en-US" sz="1200" baseline="0">
+                        <a:rPr lang="en-US" sz="1200" baseline="0" dirty="0">
+                          <a:solidFill>
+                            <a:schemeClr val="accent2">
+                              <a:lumMod val="75000"/>
+                            </a:schemeClr>
+                          </a:solidFill>
                           <a:effectLst/>
                         </a:rPr>
                         <a:t> </a:t>
                       </a:r>
                       <a:r>
-                        <a:rPr lang="ko-KR" altLang="en-US" sz="1200" baseline="0">
+                        <a:rPr lang="ko-KR" altLang="en-US" sz="1200" baseline="0" dirty="0">
+                          <a:solidFill>
+                            <a:schemeClr val="accent2">
+                              <a:lumMod val="75000"/>
+                            </a:schemeClr>
+                          </a:solidFill>
                           <a:effectLst/>
                         </a:rPr>
                         <a:t>프린터 사용 방법</a:t>
                       </a:r>
-                      <a:endParaRPr lang="en-US" sz="1200">
+                      <a:endParaRPr lang="en-US" sz="1200" dirty="0">
+                        <a:solidFill>
+                          <a:schemeClr val="accent2">
+                            <a:lumMod val="75000"/>
+                          </a:schemeClr>
+                        </a:solidFill>
                         <a:effectLst/>
                         <a:latin typeface="+mn-ea"/>
                         <a:ea typeface="+mn-ea"/>
@@ -14590,12 +14804,22 @@
                         <a:defRPr/>
                       </a:pPr>
                       <a:r>
-                        <a:rPr lang="en-US" sz="1200" smtClean="0">
+                        <a:rPr lang="en-US" sz="1200">
+                          <a:solidFill>
+                            <a:schemeClr val="accent2">
+                              <a:lumMod val="75000"/>
+                            </a:schemeClr>
+                          </a:solidFill>
                           <a:effectLst/>
                         </a:rPr>
                         <a:t>1 H</a:t>
                       </a:r>
                       <a:endParaRPr lang="en-US" sz="1200">
+                        <a:solidFill>
+                          <a:schemeClr val="accent2">
+                            <a:lumMod val="75000"/>
+                          </a:schemeClr>
+                        </a:solidFill>
                         <a:effectLst/>
                         <a:latin typeface="+mn-ea"/>
                         <a:ea typeface="+mn-ea"/>
@@ -14629,11 +14853,21 @@
                       </a:pPr>
                       <a:r>
                         <a:rPr lang="ko-KR" altLang="en-US" sz="1200">
+                          <a:solidFill>
+                            <a:schemeClr val="accent2">
+                              <a:lumMod val="75000"/>
+                            </a:schemeClr>
+                          </a:solidFill>
                           <a:effectLst/>
                         </a:rPr>
                         <a:t>김기홍</a:t>
                       </a:r>
                       <a:endParaRPr lang="en-US" sz="1200">
+                        <a:solidFill>
+                          <a:schemeClr val="accent2">
+                            <a:lumMod val="75000"/>
+                          </a:schemeClr>
+                        </a:solidFill>
                         <a:effectLst/>
                         <a:latin typeface="+mn-ea"/>
                         <a:ea typeface="+mn-ea"/>
@@ -14757,11 +14991,21 @@
                       </a:pPr>
                       <a:r>
                         <a:rPr lang="ko-KR" sz="1200">
+                          <a:solidFill>
+                            <a:schemeClr val="accent2">
+                              <a:lumMod val="75000"/>
+                            </a:schemeClr>
+                          </a:solidFill>
                           <a:effectLst/>
                         </a:rPr>
                         <a:t>항공역학</a:t>
                       </a:r>
                       <a:endParaRPr lang="en-US" sz="1200">
+                        <a:solidFill>
+                          <a:schemeClr val="accent2">
+                            <a:lumMod val="75000"/>
+                          </a:schemeClr>
+                        </a:solidFill>
                         <a:effectLst/>
                         <a:latin typeface="+mn-ea"/>
                         <a:ea typeface="+mn-ea"/>
@@ -14788,24 +15032,44 @@
                         </a:spcAft>
                       </a:pPr>
                       <a:r>
-                        <a:rPr lang="ko-KR" altLang="en-US" sz="1200">
+                        <a:rPr lang="ko-KR" altLang="en-US" sz="1200" dirty="0">
+                          <a:solidFill>
+                            <a:schemeClr val="accent2">
+                              <a:lumMod val="75000"/>
+                            </a:schemeClr>
+                          </a:solidFill>
                           <a:effectLst/>
                         </a:rPr>
                         <a:t>드론 배터리</a:t>
                       </a:r>
                       <a:r>
-                        <a:rPr lang="en-US" altLang="ko-KR" sz="1200">
+                        <a:rPr lang="en-US" altLang="ko-KR" sz="1200" dirty="0">
+                          <a:solidFill>
+                            <a:schemeClr val="accent2">
+                              <a:lumMod val="75000"/>
+                            </a:schemeClr>
+                          </a:solidFill>
                           <a:effectLst/>
                         </a:rPr>
                         <a:t> </a:t>
                       </a:r>
                       <a:r>
-                        <a:rPr lang="ko-KR" altLang="en-US" sz="1200">
+                        <a:rPr lang="ko-KR" altLang="en-US" sz="1200" dirty="0">
+                          <a:solidFill>
+                            <a:schemeClr val="accent2">
+                              <a:lumMod val="75000"/>
+                            </a:schemeClr>
+                          </a:solidFill>
                           <a:effectLst/>
                         </a:rPr>
                         <a:t>종류 및 이해</a:t>
                       </a:r>
-                      <a:endParaRPr lang="en-US" sz="1200">
+                      <a:endParaRPr lang="en-US" sz="1200" dirty="0">
+                        <a:solidFill>
+                          <a:schemeClr val="accent2">
+                            <a:lumMod val="75000"/>
+                          </a:schemeClr>
+                        </a:solidFill>
                         <a:effectLst/>
                         <a:latin typeface="+mn-ea"/>
                         <a:ea typeface="+mn-ea"/>
@@ -14831,10 +15095,15 @@
                         </a:spcAft>
                       </a:pPr>
                       <a:r>
-                        <a:rPr kumimoji="0" lang="en-US" sz="1200" u="none" strike="noStrike" kern="1200" cap="none" spc="0" normalizeH="0" baseline="0" noProof="0" smtClean="0">
+                        <a:rPr kumimoji="0" lang="en-US" sz="1200" u="none" strike="noStrike" kern="1200" cap="none" spc="0" normalizeH="0" baseline="0" noProof="0">
                           <a:ln>
                             <a:noFill/>
                           </a:ln>
+                          <a:solidFill>
+                            <a:schemeClr val="accent2">
+                              <a:lumMod val="75000"/>
+                            </a:schemeClr>
+                          </a:solidFill>
                           <a:effectLst/>
                           <a:uLnTx/>
                           <a:uFillTx/>
@@ -14842,6 +15111,11 @@
                         <a:t>1 H</a:t>
                       </a:r>
                       <a:endParaRPr lang="en-US" sz="1200">
+                        <a:solidFill>
+                          <a:schemeClr val="accent2">
+                            <a:lumMod val="75000"/>
+                          </a:schemeClr>
+                        </a:solidFill>
                         <a:effectLst/>
                         <a:latin typeface="+mn-ea"/>
                         <a:ea typeface="+mn-ea"/>
@@ -14868,11 +15142,21 @@
                       </a:pPr>
                       <a:r>
                         <a:rPr lang="ko-KR" altLang="en-US" sz="1200">
+                          <a:solidFill>
+                            <a:schemeClr val="accent2">
+                              <a:lumMod val="75000"/>
+                            </a:schemeClr>
+                          </a:solidFill>
                           <a:effectLst/>
                         </a:rPr>
                         <a:t>박영세</a:t>
                       </a:r>
                       <a:endParaRPr lang="en-US" sz="1200">
+                        <a:solidFill>
+                          <a:schemeClr val="accent2">
+                            <a:lumMod val="75000"/>
+                          </a:schemeClr>
+                        </a:solidFill>
                         <a:effectLst/>
                         <a:latin typeface="+mn-ea"/>
                         <a:ea typeface="+mn-ea"/>
@@ -14905,6 +15189,11 @@
                       </a:pPr>
                       <a:r>
                         <a:rPr lang="ko-KR" altLang="en-US" sz="1200">
+                          <a:solidFill>
+                            <a:schemeClr val="accent2">
+                              <a:lumMod val="75000"/>
+                            </a:schemeClr>
+                          </a:solidFill>
                           <a:effectLst/>
                         </a:rPr>
                         <a:t>동력 글라이더 제작</a:t>
@@ -14947,10 +15236,15 @@
                         <a:defRPr/>
                       </a:pPr>
                       <a:r>
-                        <a:rPr kumimoji="0" lang="en-US" sz="1200" u="none" strike="noStrike" kern="1200" cap="none" spc="0" normalizeH="0" baseline="0" noProof="0" smtClean="0">
+                        <a:rPr kumimoji="0" lang="en-US" sz="1200" u="none" strike="noStrike" kern="1200" cap="none" spc="0" normalizeH="0" baseline="0" noProof="0">
                           <a:ln>
                             <a:noFill/>
                           </a:ln>
+                          <a:solidFill>
+                            <a:schemeClr val="accent2">
+                              <a:lumMod val="75000"/>
+                            </a:schemeClr>
+                          </a:solidFill>
                           <a:effectLst/>
                           <a:uLnTx/>
                           <a:uFillTx/>
@@ -15001,6 +15295,11 @@
                       </a:pPr>
                       <a:r>
                         <a:rPr lang="ko-KR" altLang="en-US" sz="1200">
+                          <a:solidFill>
+                            <a:schemeClr val="accent2">
+                              <a:lumMod val="75000"/>
+                            </a:schemeClr>
+                          </a:solidFill>
                           <a:effectLst/>
                         </a:rPr>
                         <a:t>김희준</a:t>
@@ -15080,12 +15379,22 @@
                         </a:spcAft>
                       </a:pPr>
                       <a:r>
-                        <a:rPr lang="ko-KR" altLang="en-US" sz="1200">
+                        <a:rPr lang="ko-KR" altLang="en-US" sz="1200" dirty="0">
+                          <a:solidFill>
+                            <a:schemeClr val="accent2">
+                              <a:lumMod val="75000"/>
+                            </a:schemeClr>
+                          </a:solidFill>
                           <a:effectLst/>
                         </a:rPr>
                         <a:t>드론 센서의 종류 및 이해</a:t>
                       </a:r>
-                      <a:endParaRPr lang="en-US" sz="1200">
+                      <a:endParaRPr lang="en-US" sz="1200" dirty="0">
+                        <a:solidFill>
+                          <a:schemeClr val="accent2">
+                            <a:lumMod val="75000"/>
+                          </a:schemeClr>
+                        </a:solidFill>
                         <a:effectLst/>
                         <a:latin typeface="+mn-ea"/>
                         <a:ea typeface="+mn-ea"/>
@@ -15111,12 +15420,22 @@
                         </a:spcAft>
                       </a:pPr>
                       <a:r>
-                        <a:rPr lang="en-US" sz="1200" smtClean="0">
+                        <a:rPr lang="en-US" sz="1200" dirty="0">
+                          <a:solidFill>
+                            <a:schemeClr val="accent2">
+                              <a:lumMod val="75000"/>
+                            </a:schemeClr>
+                          </a:solidFill>
                           <a:effectLst/>
                         </a:rPr>
                         <a:t>1 H</a:t>
                       </a:r>
-                      <a:endParaRPr lang="en-US" sz="1200">
+                      <a:endParaRPr lang="en-US" sz="1200" dirty="0">
+                        <a:solidFill>
+                          <a:schemeClr val="accent2">
+                            <a:lumMod val="75000"/>
+                          </a:schemeClr>
+                        </a:solidFill>
                         <a:effectLst/>
                         <a:latin typeface="+mn-ea"/>
                         <a:ea typeface="+mn-ea"/>
@@ -15142,12 +15461,342 @@
                         </a:spcAft>
                       </a:pPr>
                       <a:r>
-                        <a:rPr lang="ko-KR" altLang="en-US" sz="1200">
+                        <a:rPr lang="ko-KR" altLang="en-US" sz="1200" dirty="0">
+                          <a:solidFill>
+                            <a:schemeClr val="accent2">
+                              <a:lumMod val="75000"/>
+                            </a:schemeClr>
+                          </a:solidFill>
                           <a:effectLst/>
                         </a:rPr>
                         <a:t>오지만</a:t>
                       </a:r>
+                      <a:endParaRPr lang="en-US" sz="1200" dirty="0">
+                        <a:solidFill>
+                          <a:schemeClr val="accent2">
+                            <a:lumMod val="75000"/>
+                          </a:schemeClr>
+                        </a:solidFill>
+                        <a:effectLst/>
+                        <a:latin typeface="+mn-ea"/>
+                        <a:ea typeface="+mn-ea"/>
+                      </a:endParaRPr>
+                    </a:p>
+                  </a:txBody>
+                  <a:tcPr marL="64770" marR="64770" marT="17780" marB="17780" anchor="ctr"/>
+                </a:tc>
+                <a:tc>
+                  <a:txBody>
+                    <a:bodyPr/>
+                    <a:lstStyle/>
+                    <a:p>
+                      <a:pPr marL="0" marR="0" lvl="0" indent="0" algn="ctr" defTabSz="914400" rtl="0" eaLnBrk="1" fontAlgn="auto" latinLnBrk="0" hangingPunct="1">
+                        <a:lnSpc>
+                          <a:spcPct val="100000"/>
+                        </a:lnSpc>
+                        <a:spcBef>
+                          <a:spcPts val="0"/>
+                        </a:spcBef>
+                        <a:spcAft>
+                          <a:spcPts val="0"/>
+                        </a:spcAft>
+                        <a:buClrTx/>
+                        <a:buSzTx/>
+                        <a:buFontTx/>
+                        <a:buNone/>
+                        <a:tabLst/>
+                        <a:defRPr/>
+                      </a:pPr>
+                      <a:endParaRPr lang="en-US" sz="1200" b="1" dirty="0">
+                        <a:solidFill>
+                          <a:schemeClr val="accent2">
+                            <a:lumMod val="75000"/>
+                          </a:schemeClr>
+                        </a:solidFill>
+                        <a:effectLst/>
+                        <a:latin typeface="+mn-ea"/>
+                        <a:ea typeface="+mn-ea"/>
+                        <a:cs typeface="Times New Roman" panose="02020603050405020304" pitchFamily="18" charset="0"/>
+                      </a:endParaRPr>
+                    </a:p>
+                  </a:txBody>
+                  <a:tcPr anchor="ctr"/>
+                </a:tc>
+                <a:tc>
+                  <a:txBody>
+                    <a:bodyPr/>
+                    <a:lstStyle/>
+                    <a:p>
+                      <a:pPr marL="0" marR="0" lvl="0" indent="0" algn="ctr" defTabSz="914400" rtl="0" eaLnBrk="1" fontAlgn="auto" latinLnBrk="0" hangingPunct="1">
+                        <a:lnSpc>
+                          <a:spcPct val="100000"/>
+                        </a:lnSpc>
+                        <a:spcBef>
+                          <a:spcPts val="0"/>
+                        </a:spcBef>
+                        <a:spcAft>
+                          <a:spcPts val="0"/>
+                        </a:spcAft>
+                        <a:buClrTx/>
+                        <a:buSzTx/>
+                        <a:buFontTx/>
+                        <a:buNone/>
+                        <a:tabLst/>
+                        <a:defRPr/>
+                      </a:pPr>
+                      <a:endParaRPr kumimoji="0" lang="en-US" sz="1200" b="1" i="0" u="none" strike="noStrike" kern="1200" cap="none" spc="0" normalizeH="0" baseline="0" noProof="0" dirty="0">
+                        <a:ln>
+                          <a:noFill/>
+                        </a:ln>
+                        <a:solidFill>
+                          <a:schemeClr val="accent2">
+                            <a:lumMod val="75000"/>
+                          </a:schemeClr>
+                        </a:solidFill>
+                        <a:effectLst/>
+                        <a:uLnTx/>
+                        <a:uFillTx/>
+                        <a:latin typeface="+mn-lt"/>
+                        <a:ea typeface="+mn-ea"/>
+                        <a:cs typeface="+mn-cs"/>
+                      </a:endParaRPr>
+                    </a:p>
+                  </a:txBody>
+                  <a:tcPr anchor="ctr"/>
+                </a:tc>
+                <a:tc>
+                  <a:txBody>
+                    <a:bodyPr/>
+                    <a:lstStyle/>
+                    <a:p>
+                      <a:pPr marL="0" marR="0" lvl="0" indent="0" algn="ctr" defTabSz="914400" rtl="0" eaLnBrk="1" fontAlgn="auto" latinLnBrk="0" hangingPunct="1">
+                        <a:lnSpc>
+                          <a:spcPct val="100000"/>
+                        </a:lnSpc>
+                        <a:spcBef>
+                          <a:spcPts val="0"/>
+                        </a:spcBef>
+                        <a:spcAft>
+                          <a:spcPts val="0"/>
+                        </a:spcAft>
+                        <a:buClrTx/>
+                        <a:buSzTx/>
+                        <a:buFontTx/>
+                        <a:buNone/>
+                        <a:tabLst/>
+                        <a:defRPr/>
+                      </a:pPr>
+                      <a:endParaRPr lang="en-US" sz="1200" b="1" dirty="0">
+                        <a:solidFill>
+                          <a:schemeClr val="accent2">
+                            <a:lumMod val="75000"/>
+                          </a:schemeClr>
+                        </a:solidFill>
+                        <a:effectLst/>
+                        <a:latin typeface="+mn-ea"/>
+                        <a:ea typeface="+mn-ea"/>
+                        <a:cs typeface="Times New Roman" panose="02020603050405020304" pitchFamily="18" charset="0"/>
+                      </a:endParaRPr>
+                    </a:p>
+                  </a:txBody>
+                  <a:tcPr anchor="ctr"/>
+                </a:tc>
+                <a:extLst>
+                  <a:ext uri="{0D108BD9-81ED-4DB2-BD59-A6C34878D82A}">
+                    <a16:rowId xmlns:a16="http://schemas.microsoft.com/office/drawing/2014/main" val="1273439404"/>
+                  </a:ext>
+                </a:extLst>
+              </a:tr>
+              <a:tr h="293172">
+                <a:tc vMerge="1">
+                  <a:txBody>
+                    <a:bodyPr/>
+                    <a:lstStyle/>
+                    <a:p>
+                      <a:pPr marL="0" marR="0" algn="ctr" fontAlgn="base">
+                        <a:lnSpc>
+                          <a:spcPct val="107000"/>
+                        </a:lnSpc>
+                        <a:spcBef>
+                          <a:spcPts val="0"/>
+                        </a:spcBef>
+                        <a:spcAft>
+                          <a:spcPts val="0"/>
+                        </a:spcAft>
+                      </a:pPr>
                       <a:endParaRPr lang="en-US" sz="1200">
+                        <a:effectLst/>
+                        <a:latin typeface="+mn-ea"/>
+                        <a:ea typeface="+mn-ea"/>
+                        <a:cs typeface="Times New Roman" panose="02020603050405020304" pitchFamily="18" charset="0"/>
+                      </a:endParaRPr>
+                    </a:p>
+                  </a:txBody>
+                  <a:tcPr marL="64770" marR="64770" marT="17780" marB="17780" anchor="ctr"/>
+                </a:tc>
+                <a:tc vMerge="1">
+                  <a:txBody>
+                    <a:bodyPr/>
+                    <a:lstStyle/>
+                    <a:p>
+                      <a:pPr marL="0" marR="0" algn="ctr" fontAlgn="base" latinLnBrk="1">
+                        <a:lnSpc>
+                          <a:spcPct val="107000"/>
+                        </a:lnSpc>
+                        <a:spcBef>
+                          <a:spcPts val="0"/>
+                        </a:spcBef>
+                        <a:spcAft>
+                          <a:spcPts val="0"/>
+                        </a:spcAft>
+                      </a:pPr>
+                      <a:endParaRPr lang="en-US" sz="1200">
+                        <a:effectLst/>
+                        <a:latin typeface="+mn-ea"/>
+                        <a:ea typeface="+mn-ea"/>
+                        <a:cs typeface="Times New Roman" panose="02020603050405020304" pitchFamily="18" charset="0"/>
+                      </a:endParaRPr>
+                    </a:p>
+                  </a:txBody>
+                  <a:tcPr marL="64770" marR="64770" marT="17780" marB="17780" anchor="ctr"/>
+                </a:tc>
+                <a:tc>
+                  <a:txBody>
+                    <a:bodyPr/>
+                    <a:lstStyle/>
+                    <a:p>
+                      <a:pPr marL="0" marR="0" algn="ctr" fontAlgn="base" latinLnBrk="1">
+                        <a:lnSpc>
+                          <a:spcPct val="107000"/>
+                        </a:lnSpc>
+                        <a:spcBef>
+                          <a:spcPts val="0"/>
+                        </a:spcBef>
+                        <a:spcAft>
+                          <a:spcPts val="0"/>
+                        </a:spcAft>
+                      </a:pPr>
+                      <a:r>
+                        <a:rPr lang="ko-KR" altLang="en-US" sz="1200">
+                          <a:solidFill>
+                            <a:schemeClr val="accent2">
+                              <a:lumMod val="75000"/>
+                            </a:schemeClr>
+                          </a:solidFill>
+                          <a:effectLst/>
+                        </a:rPr>
+                        <a:t>드론 </a:t>
+                      </a:r>
+                      <a:r>
+                        <a:rPr lang="en-US" altLang="ko-KR" sz="1200">
+                          <a:solidFill>
+                            <a:schemeClr val="accent2">
+                              <a:lumMod val="75000"/>
+                            </a:schemeClr>
+                          </a:solidFill>
+                          <a:effectLst/>
+                        </a:rPr>
+                        <a:t>S/W </a:t>
+                      </a:r>
+                      <a:r>
+                        <a:rPr lang="ko-KR" altLang="en-US" sz="1200">
+                          <a:solidFill>
+                            <a:schemeClr val="accent2">
+                              <a:lumMod val="75000"/>
+                            </a:schemeClr>
+                          </a:solidFill>
+                          <a:effectLst/>
+                        </a:rPr>
+                        <a:t>구조</a:t>
+                      </a:r>
+                      <a:endParaRPr lang="en-US" sz="1200">
+                        <a:solidFill>
+                          <a:schemeClr val="accent2">
+                            <a:lumMod val="75000"/>
+                          </a:schemeClr>
+                        </a:solidFill>
+                        <a:effectLst/>
+                        <a:latin typeface="+mn-ea"/>
+                        <a:ea typeface="+mn-ea"/>
+                      </a:endParaRPr>
+                    </a:p>
+                  </a:txBody>
+                  <a:tcPr marL="64770" marR="64770" marT="17780" marB="17780" anchor="ctr"/>
+                </a:tc>
+                <a:tc>
+                  <a:txBody>
+                    <a:bodyPr/>
+                    <a:lstStyle/>
+                    <a:p>
+                      <a:pPr marL="0" marR="0" algn="ctr" fontAlgn="base" latinLnBrk="1">
+                        <a:lnSpc>
+                          <a:spcPct val="107000"/>
+                        </a:lnSpc>
+                        <a:spcBef>
+                          <a:spcPts val="0"/>
+                        </a:spcBef>
+                        <a:spcAft>
+                          <a:spcPts val="0"/>
+                        </a:spcAft>
+                      </a:pPr>
+                      <a:r>
+                        <a:rPr lang="en-US" sz="1200">
+                          <a:solidFill>
+                            <a:schemeClr val="accent2">
+                              <a:lumMod val="75000"/>
+                            </a:schemeClr>
+                          </a:solidFill>
+                          <a:effectLst/>
+                        </a:rPr>
+                        <a:t>1 H</a:t>
+                      </a:r>
+                      <a:endParaRPr lang="en-US" sz="1200">
+                        <a:solidFill>
+                          <a:schemeClr val="accent2">
+                            <a:lumMod val="75000"/>
+                          </a:schemeClr>
+                        </a:solidFill>
+                        <a:effectLst/>
+                        <a:latin typeface="+mn-ea"/>
+                        <a:ea typeface="+mn-ea"/>
+                      </a:endParaRPr>
+                    </a:p>
+                  </a:txBody>
+                  <a:tcPr marL="64770" marR="64770" marT="17780" marB="17780" anchor="ctr"/>
+                </a:tc>
+                <a:tc>
+                  <a:txBody>
+                    <a:bodyPr/>
+                    <a:lstStyle/>
+                    <a:p>
+                      <a:pPr marL="0" marR="0" algn="ctr" fontAlgn="base" latinLnBrk="1">
+                        <a:lnSpc>
+                          <a:spcPct val="107000"/>
+                        </a:lnSpc>
+                        <a:spcBef>
+                          <a:spcPts val="0"/>
+                        </a:spcBef>
+                        <a:spcAft>
+                          <a:spcPts val="0"/>
+                        </a:spcAft>
+                      </a:pPr>
+                      <a:r>
+                        <a:rPr lang="ko-KR" altLang="en-US" sz="1200">
+                          <a:solidFill>
+                            <a:schemeClr val="accent2">
+                              <a:lumMod val="75000"/>
+                            </a:schemeClr>
+                          </a:solidFill>
+                          <a:effectLst/>
+                        </a:rPr>
+                        <a:t>성병문</a:t>
+                      </a:r>
+                      <a:endParaRPr lang="en-US" sz="1200">
+                        <a:solidFill>
+                          <a:schemeClr val="accent2">
+                            <a:lumMod val="75000"/>
+                          </a:schemeClr>
+                        </a:solidFill>
                         <a:effectLst/>
                         <a:latin typeface="+mn-ea"/>
                         <a:ea typeface="+mn-ea"/>
@@ -15257,287 +15906,7 @@
                         <a:tabLst/>
                         <a:defRPr/>
                       </a:pPr>
-                      <a:endParaRPr lang="en-US" sz="1200" b="1">
-                        <a:solidFill>
-                          <a:schemeClr val="accent2">
-                            <a:lumMod val="75000"/>
-                          </a:schemeClr>
-                        </a:solidFill>
-                        <a:effectLst/>
-                        <a:latin typeface="+mn-ea"/>
-                        <a:ea typeface="+mn-ea"/>
-                        <a:cs typeface="Times New Roman" panose="02020603050405020304" pitchFamily="18" charset="0"/>
-                      </a:endParaRPr>
-                    </a:p>
-                  </a:txBody>
-                  <a:tcPr anchor="ctr"/>
-                </a:tc>
-                <a:extLst>
-                  <a:ext uri="{0D108BD9-81ED-4DB2-BD59-A6C34878D82A}">
-                    <a16:rowId xmlns:a16="http://schemas.microsoft.com/office/drawing/2014/main" val="1273439404"/>
-                  </a:ext>
-                </a:extLst>
-              </a:tr>
-              <a:tr h="293172">
-                <a:tc vMerge="1">
-                  <a:txBody>
-                    <a:bodyPr/>
-                    <a:lstStyle/>
-                    <a:p>
-                      <a:pPr marL="0" marR="0" algn="ctr" fontAlgn="base">
-                        <a:lnSpc>
-                          <a:spcPct val="107000"/>
-                        </a:lnSpc>
-                        <a:spcBef>
-                          <a:spcPts val="0"/>
-                        </a:spcBef>
-                        <a:spcAft>
-                          <a:spcPts val="0"/>
-                        </a:spcAft>
-                      </a:pPr>
-                      <a:endParaRPr lang="en-US" sz="1200">
-                        <a:effectLst/>
-                        <a:latin typeface="+mn-ea"/>
-                        <a:ea typeface="+mn-ea"/>
-                        <a:cs typeface="Times New Roman" panose="02020603050405020304" pitchFamily="18" charset="0"/>
-                      </a:endParaRPr>
-                    </a:p>
-                  </a:txBody>
-                  <a:tcPr marL="64770" marR="64770" marT="17780" marB="17780" anchor="ctr"/>
-                </a:tc>
-                <a:tc vMerge="1">
-                  <a:txBody>
-                    <a:bodyPr/>
-                    <a:lstStyle/>
-                    <a:p>
-                      <a:pPr marL="0" marR="0" algn="ctr" fontAlgn="base" latinLnBrk="1">
-                        <a:lnSpc>
-                          <a:spcPct val="107000"/>
-                        </a:lnSpc>
-                        <a:spcBef>
-                          <a:spcPts val="0"/>
-                        </a:spcBef>
-                        <a:spcAft>
-                          <a:spcPts val="0"/>
-                        </a:spcAft>
-                      </a:pPr>
-                      <a:endParaRPr lang="en-US" sz="1200">
-                        <a:effectLst/>
-                        <a:latin typeface="+mn-ea"/>
-                        <a:ea typeface="+mn-ea"/>
-                        <a:cs typeface="Times New Roman" panose="02020603050405020304" pitchFamily="18" charset="0"/>
-                      </a:endParaRPr>
-                    </a:p>
-                  </a:txBody>
-                  <a:tcPr marL="64770" marR="64770" marT="17780" marB="17780" anchor="ctr"/>
-                </a:tc>
-                <a:tc>
-                  <a:txBody>
-                    <a:bodyPr/>
-                    <a:lstStyle/>
-                    <a:p>
-                      <a:pPr marL="0" marR="0" algn="ctr" fontAlgn="base" latinLnBrk="1">
-                        <a:lnSpc>
-                          <a:spcPct val="107000"/>
-                        </a:lnSpc>
-                        <a:spcBef>
-                          <a:spcPts val="0"/>
-                        </a:spcBef>
-                        <a:spcAft>
-                          <a:spcPts val="0"/>
-                        </a:spcAft>
-                      </a:pPr>
-                      <a:r>
-                        <a:rPr lang="ko-KR" altLang="en-US" sz="1200">
-                          <a:effectLst/>
-                        </a:rPr>
-                        <a:t>드론 </a:t>
-                      </a:r>
-                      <a:r>
-                        <a:rPr lang="en-US" altLang="ko-KR" sz="1200">
-                          <a:effectLst/>
-                        </a:rPr>
-                        <a:t>S/W </a:t>
-                      </a:r>
-                      <a:r>
-                        <a:rPr lang="ko-KR" altLang="en-US" sz="1200">
-                          <a:effectLst/>
-                        </a:rPr>
-                        <a:t>구조</a:t>
-                      </a:r>
-                      <a:endParaRPr lang="en-US" sz="1200">
-                        <a:effectLst/>
-                        <a:latin typeface="+mn-ea"/>
-                        <a:ea typeface="+mn-ea"/>
-                      </a:endParaRPr>
-                    </a:p>
-                  </a:txBody>
-                  <a:tcPr marL="64770" marR="64770" marT="17780" marB="17780" anchor="ctr"/>
-                </a:tc>
-                <a:tc>
-                  <a:txBody>
-                    <a:bodyPr/>
-                    <a:lstStyle/>
-                    <a:p>
-                      <a:pPr marL="0" marR="0" algn="ctr" fontAlgn="base" latinLnBrk="1">
-                        <a:lnSpc>
-                          <a:spcPct val="107000"/>
-                        </a:lnSpc>
-                        <a:spcBef>
-                          <a:spcPts val="0"/>
-                        </a:spcBef>
-                        <a:spcAft>
-                          <a:spcPts val="0"/>
-                        </a:spcAft>
-                      </a:pPr>
-                      <a:r>
-                        <a:rPr lang="en-US" sz="1200" smtClean="0">
-                          <a:effectLst/>
-                        </a:rPr>
-                        <a:t>1 H</a:t>
-                      </a:r>
-                      <a:endParaRPr lang="en-US" sz="1200">
-                        <a:effectLst/>
-                        <a:latin typeface="+mn-ea"/>
-                        <a:ea typeface="+mn-ea"/>
-                      </a:endParaRPr>
-                    </a:p>
-                  </a:txBody>
-                  <a:tcPr marL="64770" marR="64770" marT="17780" marB="17780" anchor="ctr"/>
-                </a:tc>
-                <a:tc>
-                  <a:txBody>
-                    <a:bodyPr/>
-                    <a:lstStyle/>
-                    <a:p>
-                      <a:pPr marL="0" marR="0" algn="ctr" fontAlgn="base" latinLnBrk="1">
-                        <a:lnSpc>
-                          <a:spcPct val="107000"/>
-                        </a:lnSpc>
-                        <a:spcBef>
-                          <a:spcPts val="0"/>
-                        </a:spcBef>
-                        <a:spcAft>
-                          <a:spcPts val="0"/>
-                        </a:spcAft>
-                      </a:pPr>
-                      <a:r>
-                        <a:rPr lang="ko-KR" altLang="en-US" sz="1200">
-                          <a:effectLst/>
-                        </a:rPr>
-                        <a:t>성병문</a:t>
-                      </a:r>
-                      <a:endParaRPr lang="en-US" sz="1200">
-                        <a:effectLst/>
-                        <a:latin typeface="+mn-ea"/>
-                        <a:ea typeface="+mn-ea"/>
-                      </a:endParaRPr>
-                    </a:p>
-                  </a:txBody>
-                  <a:tcPr marL="64770" marR="64770" marT="17780" marB="17780" anchor="ctr"/>
-                </a:tc>
-                <a:tc>
-                  <a:txBody>
-                    <a:bodyPr/>
-                    <a:lstStyle/>
-                    <a:p>
-                      <a:pPr marL="0" marR="0" lvl="0" indent="0" algn="ctr" defTabSz="914400" rtl="0" eaLnBrk="1" fontAlgn="auto" latinLnBrk="0" hangingPunct="1">
-                        <a:lnSpc>
-                          <a:spcPct val="100000"/>
-                        </a:lnSpc>
-                        <a:spcBef>
-                          <a:spcPts val="0"/>
-                        </a:spcBef>
-                        <a:spcAft>
-                          <a:spcPts val="0"/>
-                        </a:spcAft>
-                        <a:buClrTx/>
-                        <a:buSzTx/>
-                        <a:buFontTx/>
-                        <a:buNone/>
-                        <a:tabLst/>
-                        <a:defRPr/>
-                      </a:pPr>
-                      <a:endParaRPr lang="en-US" sz="1200" b="1">
-                        <a:solidFill>
-                          <a:schemeClr val="accent2">
-                            <a:lumMod val="75000"/>
-                          </a:schemeClr>
-                        </a:solidFill>
-                        <a:effectLst/>
-                        <a:latin typeface="+mn-ea"/>
-                        <a:ea typeface="+mn-ea"/>
-                        <a:cs typeface="Times New Roman" panose="02020603050405020304" pitchFamily="18" charset="0"/>
-                      </a:endParaRPr>
-                    </a:p>
-                  </a:txBody>
-                  <a:tcPr anchor="ctr"/>
-                </a:tc>
-                <a:tc>
-                  <a:txBody>
-                    <a:bodyPr/>
-                    <a:lstStyle/>
-                    <a:p>
-                      <a:pPr marL="0" marR="0" lvl="0" indent="0" algn="ctr" defTabSz="914400" rtl="0" eaLnBrk="1" fontAlgn="auto" latinLnBrk="0" hangingPunct="1">
-                        <a:lnSpc>
-                          <a:spcPct val="100000"/>
-                        </a:lnSpc>
-                        <a:spcBef>
-                          <a:spcPts val="0"/>
-                        </a:spcBef>
-                        <a:spcAft>
-                          <a:spcPts val="0"/>
-                        </a:spcAft>
-                        <a:buClrTx/>
-                        <a:buSzTx/>
-                        <a:buFontTx/>
-                        <a:buNone/>
-                        <a:tabLst/>
-                        <a:defRPr/>
-                      </a:pPr>
-                      <a:endParaRPr kumimoji="0" lang="en-US" sz="1200" b="1" i="0" u="none" strike="noStrike" kern="1200" cap="none" spc="0" normalizeH="0" baseline="0" noProof="0">
-                        <a:ln>
-                          <a:noFill/>
-                        </a:ln>
-                        <a:solidFill>
-                          <a:schemeClr val="accent2">
-                            <a:lumMod val="75000"/>
-                          </a:schemeClr>
-                        </a:solidFill>
-                        <a:effectLst/>
-                        <a:uLnTx/>
-                        <a:uFillTx/>
-                        <a:latin typeface="+mn-lt"/>
-                        <a:ea typeface="+mn-ea"/>
-                        <a:cs typeface="+mn-cs"/>
-                      </a:endParaRPr>
-                    </a:p>
-                  </a:txBody>
-                  <a:tcPr anchor="ctr"/>
-                </a:tc>
-                <a:tc>
-                  <a:txBody>
-                    <a:bodyPr/>
-                    <a:lstStyle/>
-                    <a:p>
-                      <a:pPr marL="0" marR="0" lvl="0" indent="0" algn="ctr" defTabSz="914400" rtl="0" eaLnBrk="1" fontAlgn="auto" latinLnBrk="0" hangingPunct="1">
-                        <a:lnSpc>
-                          <a:spcPct val="100000"/>
-                        </a:lnSpc>
-                        <a:spcBef>
-                          <a:spcPts val="0"/>
-                        </a:spcBef>
-                        <a:spcAft>
-                          <a:spcPts val="0"/>
-                        </a:spcAft>
-                        <a:buClrTx/>
-                        <a:buSzTx/>
-                        <a:buFontTx/>
-                        <a:buNone/>
-                        <a:tabLst/>
-                        <a:defRPr/>
-                      </a:pPr>
-                      <a:endParaRPr lang="en-US" sz="1200" b="1">
+                      <a:endParaRPr lang="en-US" sz="1200" b="1" dirty="0">
                         <a:solidFill>
                           <a:schemeClr val="accent2">
                             <a:lumMod val="75000"/>
@@ -15659,12 +16028,8 @@
                     <a:p>
                       <a:pPr algn="ctr"/>
                       <a:r>
-                        <a:rPr lang="en-US" sz="1200" smtClean="0"/>
-                        <a:t>1 </a:t>
-                      </a:r>
-                      <a:r>
                         <a:rPr lang="en-US" sz="1200"/>
-                        <a:t>H</a:t>
+                        <a:t>1 H</a:t>
                       </a:r>
                     </a:p>
                   </a:txBody>
@@ -15745,7 +16110,7 @@
                         <a:defRPr/>
                       </a:pPr>
                       <a:r>
-                        <a:rPr kumimoji="0" lang="en-US" sz="1200" u="none" strike="noStrike" kern="1200" cap="none" spc="0" normalizeH="0" baseline="0" noProof="0" smtClean="0">
+                        <a:rPr kumimoji="0" lang="en-US" sz="1200" u="none" strike="noStrike" kern="1200" cap="none" spc="0" normalizeH="0" baseline="0" noProof="0">
                           <a:ln>
                             <a:noFill/>
                           </a:ln>
@@ -15893,7 +16258,7 @@
                         </a:rPr>
                         <a:t>드론 동역학</a:t>
                       </a:r>
-                      <a:endParaRPr lang="en-US" sz="1200">
+                      <a:endParaRPr lang="en-US" sz="1200" dirty="0">
                         <a:effectLst/>
                         <a:latin typeface="+mn-ea"/>
                         <a:ea typeface="+mn-ea"/>
@@ -15919,17 +16284,6 @@
                         </a:spcAft>
                       </a:pPr>
                       <a:r>
-                        <a:rPr kumimoji="0" lang="en-US" sz="1200" u="none" strike="noStrike" kern="1200" cap="none" spc="0" normalizeH="0" baseline="0" noProof="0" smtClean="0">
-                          <a:ln>
-                            <a:noFill/>
-                          </a:ln>
-                          <a:effectLst/>
-                          <a:uLnTx/>
-                          <a:uFillTx/>
-                        </a:rPr>
-                        <a:t>1 </a:t>
-                      </a:r>
-                      <a:r>
                         <a:rPr kumimoji="0" lang="en-US" sz="1200" u="none" strike="noStrike" kern="1200" cap="none" spc="0" normalizeH="0" baseline="0" noProof="0">
                           <a:ln>
                             <a:noFill/>
@@ -15938,7 +16292,7 @@
                           <a:uLnTx/>
                           <a:uFillTx/>
                         </a:rPr>
-                        <a:t>H</a:t>
+                        <a:t>1 H</a:t>
                       </a:r>
                       <a:endParaRPr lang="en-US" sz="1200">
                         <a:effectLst/>
@@ -16184,7 +16538,7 @@
                         <a:defRPr/>
                       </a:pPr>
                       <a:r>
-                        <a:rPr lang="ko-KR" altLang="en-US" sz="1200" baseline="0" smtClean="0">
+                        <a:rPr lang="ko-KR" altLang="en-US" sz="1200" baseline="0">
                           <a:effectLst/>
                         </a:rPr>
                         <a:t>라즈베리 설치 및 사용법</a:t>
@@ -16221,7 +16575,7 @@
                         <a:defRPr/>
                       </a:pPr>
                       <a:r>
-                        <a:rPr kumimoji="0" lang="en-US" sz="1200" u="none" strike="noStrike" kern="1200" cap="none" spc="0" normalizeH="0" baseline="0" noProof="0" smtClean="0">
+                        <a:rPr kumimoji="0" lang="en-US" sz="1200" u="none" strike="noStrike" kern="1200" cap="none" spc="0" normalizeH="0" baseline="0" noProof="0">
                           <a:ln>
                             <a:noFill/>
                           </a:ln>
@@ -16309,13 +16663,7 @@
                         <a:rPr lang="ko-KR" altLang="en-US" sz="1200">
                           <a:effectLst/>
                         </a:rPr>
-                        <a:t>드론 </a:t>
-                      </a:r>
-                      <a:r>
-                        <a:rPr lang="ko-KR" altLang="en-US" sz="1200" smtClean="0">
-                          <a:effectLst/>
-                        </a:rPr>
-                        <a:t>제작</a:t>
+                        <a:t>드론 제작</a:t>
                       </a:r>
                       <a:endParaRPr lang="en-US" sz="1200" b="1">
                         <a:solidFill>
@@ -16355,7 +16703,7 @@
                         <a:defRPr/>
                       </a:pPr>
                       <a:r>
-                        <a:rPr kumimoji="0" lang="en-US" sz="1200" u="none" strike="noStrike" kern="1200" cap="none" spc="0" normalizeH="0" baseline="0" noProof="0" smtClean="0">
+                        <a:rPr kumimoji="0" lang="en-US" sz="1200" u="none" strike="noStrike" kern="1200" cap="none" spc="0" normalizeH="0" baseline="0" noProof="0">
                           <a:ln>
                             <a:noFill/>
                           </a:ln>
@@ -16535,17 +16883,6 @@
                         </a:spcAft>
                       </a:pPr>
                       <a:r>
-                        <a:rPr kumimoji="0" lang="en-US" sz="1200" u="none" strike="noStrike" kern="1200" cap="none" spc="0" normalizeH="0" baseline="0" noProof="0" smtClean="0">
-                          <a:ln>
-                            <a:noFill/>
-                          </a:ln>
-                          <a:effectLst/>
-                          <a:uLnTx/>
-                          <a:uFillTx/>
-                        </a:rPr>
-                        <a:t>1 </a:t>
-                      </a:r>
-                      <a:r>
                         <a:rPr kumimoji="0" lang="en-US" sz="1200" u="none" strike="noStrike" kern="1200" cap="none" spc="0" normalizeH="0" baseline="0" noProof="0">
                           <a:ln>
                             <a:noFill/>
@@ -16554,7 +16891,7 @@
                           <a:uLnTx/>
                           <a:uFillTx/>
                         </a:rPr>
-                        <a:t>H</a:t>
+                        <a:t>1 H</a:t>
                       </a:r>
                       <a:endParaRPr lang="en-US" sz="1200">
                         <a:effectLst/>
@@ -16796,15 +17133,15 @@
                     <a:p>
                       <a:pPr algn="ctr"/>
                       <a:r>
-                        <a:rPr lang="ko-KR" altLang="en-US" sz="1200" smtClean="0"/>
+                        <a:rPr lang="ko-KR" altLang="en-US" sz="1200"/>
                         <a:t>지상 관제 </a:t>
                       </a:r>
                       <a:r>
-                        <a:rPr lang="en-US" altLang="ko-KR" sz="1200" smtClean="0"/>
+                        <a:rPr lang="en-US" altLang="ko-KR" sz="1200"/>
                         <a:t>S/W </a:t>
                       </a:r>
                       <a:r>
-                        <a:rPr lang="ko-KR" altLang="en-US" sz="1200" smtClean="0"/>
+                        <a:rPr lang="ko-KR" altLang="en-US" sz="1200"/>
                         <a:t>설치 </a:t>
                       </a:r>
                       <a:r>
@@ -16823,12 +17160,8 @@
                     <a:p>
                       <a:pPr algn="ctr"/>
                       <a:r>
-                        <a:rPr lang="en-US" sz="1200" smtClean="0"/>
-                        <a:t>1 </a:t>
-                      </a:r>
-                      <a:r>
                         <a:rPr lang="en-US" sz="1200"/>
-                        <a:t>H</a:t>
+                        <a:t>1 H</a:t>
                       </a:r>
                     </a:p>
                   </a:txBody>
@@ -16872,13 +17205,13 @@
                         <a:defRPr/>
                       </a:pPr>
                       <a:r>
-                        <a:rPr lang="en-US" sz="1200" smtClean="0">
+                        <a:rPr lang="en-US" sz="1200">
                           <a:effectLst/>
                         </a:rPr>
                         <a:t>Navio2 </a:t>
                       </a:r>
                       <a:r>
-                        <a:rPr lang="ko-KR" altLang="en-US" sz="1200" smtClean="0">
+                        <a:rPr lang="ko-KR" altLang="en-US" sz="1200">
                           <a:effectLst/>
                         </a:rPr>
                         <a:t>경로 비행</a:t>
@@ -16921,7 +17254,7 @@
                         <a:defRPr/>
                       </a:pPr>
                       <a:r>
-                        <a:rPr kumimoji="0" lang="en-US" sz="1200" u="none" strike="noStrike" kern="1200" cap="none" spc="0" normalizeH="0" baseline="0" noProof="0" smtClean="0">
+                        <a:rPr kumimoji="0" lang="en-US" sz="1200" u="none" strike="noStrike" kern="1200" cap="none" spc="0" normalizeH="0" baseline="0" noProof="0">
                           <a:ln>
                             <a:noFill/>
                           </a:ln>
@@ -17113,17 +17446,6 @@
                         </a:spcAft>
                       </a:pPr>
                       <a:r>
-                        <a:rPr kumimoji="0" lang="en-US" sz="1200" u="none" strike="noStrike" kern="1200" cap="none" spc="0" normalizeH="0" baseline="0" noProof="0" smtClean="0">
-                          <a:ln>
-                            <a:noFill/>
-                          </a:ln>
-                          <a:effectLst/>
-                          <a:uLnTx/>
-                          <a:uFillTx/>
-                        </a:rPr>
-                        <a:t>1 </a:t>
-                      </a:r>
-                      <a:r>
                         <a:rPr kumimoji="0" lang="en-US" sz="1200" u="none" strike="noStrike" kern="1200" cap="none" spc="0" normalizeH="0" baseline="0" noProof="0">
                           <a:ln>
                             <a:noFill/>
@@ -17132,7 +17454,7 @@
                           <a:uLnTx/>
                           <a:uFillTx/>
                         </a:rPr>
-                        <a:t>H</a:t>
+                        <a:t>1 H</a:t>
                       </a:r>
                       <a:endParaRPr lang="en-US" sz="1200">
                         <a:effectLst/>
@@ -17433,7 +17755,7 @@
                         <a:defRPr/>
                       </a:pPr>
                       <a:r>
-                        <a:rPr kumimoji="0" lang="en-US" sz="1200" u="none" strike="noStrike" kern="1200" cap="none" spc="0" normalizeH="0" baseline="0" noProof="0" smtClean="0">
+                        <a:rPr kumimoji="0" lang="en-US" sz="1200" u="none" strike="noStrike" kern="1200" cap="none" spc="0" normalizeH="0" baseline="0" noProof="0">
                           <a:ln>
                             <a:noFill/>
                           </a:ln>
@@ -17518,7 +17840,7 @@
                         <a:t>Navio2 </a:t>
                       </a:r>
                       <a:r>
-                        <a:rPr lang="ko-KR" altLang="en-US" sz="1200" smtClean="0">
+                        <a:rPr lang="ko-KR" altLang="en-US" sz="1200">
                           <a:effectLst/>
                         </a:rPr>
                         <a:t>경로 비행</a:t>
@@ -17561,7 +17883,7 @@
                         <a:defRPr/>
                       </a:pPr>
                       <a:r>
-                        <a:rPr kumimoji="0" lang="en-US" sz="1200" u="none" strike="noStrike" kern="1200" cap="none" spc="0" normalizeH="0" baseline="0" noProof="0" smtClean="0">
+                        <a:rPr kumimoji="0" lang="en-US" sz="1200" u="none" strike="noStrike" kern="1200" cap="none" spc="0" normalizeH="0" baseline="0" noProof="0">
                           <a:ln>
                             <a:noFill/>
                           </a:ln>
@@ -17722,7 +18044,7 @@
                         </a:spcAft>
                       </a:pPr>
                       <a:r>
-                        <a:rPr lang="ko-KR" altLang="en-US" sz="1200" smtClean="0">
+                        <a:rPr lang="ko-KR" altLang="en-US" sz="1200">
                           <a:effectLst/>
                           <a:latin typeface="+mn-ea"/>
                           <a:ea typeface="+mn-ea"/>
@@ -17881,7 +18203,7 @@
                           <a:spcPts val="0"/>
                         </a:spcAft>
                       </a:pPr>
-                      <a:endParaRPr lang="en-US" sz="1200" b="1">
+                      <a:endParaRPr lang="en-US" sz="1200" b="1" dirty="0">
                         <a:solidFill>
                           <a:schemeClr val="accent2">
                             <a:lumMod val="75000"/>
@@ -17923,7 +18245,7 @@
           <a:p>
             <a:fld id="{66226C12-C878-4FC8-BC67-EBEF3FB7BC62}" type="datetime1">
               <a:rPr lang="ko-KR" altLang="en-US" smtClean="0"/>
-              <a:t>2019-07-15</a:t>
+              <a:t>2019-07-20</a:t>
             </a:fld>
             <a:endParaRPr lang="en-US"/>
           </a:p>
@@ -18090,7 +18412,7 @@
           <a:p>
             <a:fld id="{6B29AF39-0B45-4EC4-A5E8-3B3BED10E749}" type="datetime1">
               <a:rPr lang="ko-KR" altLang="en-US" smtClean="0"/>
-              <a:t>2019-07-15</a:t>
+              <a:t>2019-07-20</a:t>
             </a:fld>
             <a:endParaRPr lang="en-US"/>
           </a:p>
